--- a/PPT/M7 Front-End.pptx
+++ b/PPT/M7 Front-End.pptx
@@ -5,18 +5,17 @@
     <p:sldMasterId id="2147483648" r:id="rId1"/>
   </p:sldMasterIdLst>
   <p:notesMasterIdLst>
-    <p:notesMasterId r:id="rId11"/>
+    <p:notesMasterId r:id="rId10"/>
   </p:notesMasterIdLst>
   <p:sldIdLst>
     <p:sldId id="346" r:id="rId2"/>
-    <p:sldId id="347" r:id="rId3"/>
-    <p:sldId id="348" r:id="rId4"/>
-    <p:sldId id="349" r:id="rId5"/>
-    <p:sldId id="350" r:id="rId6"/>
-    <p:sldId id="351" r:id="rId7"/>
-    <p:sldId id="352" r:id="rId8"/>
-    <p:sldId id="353" r:id="rId9"/>
-    <p:sldId id="262" r:id="rId10"/>
+    <p:sldId id="353" r:id="rId3"/>
+    <p:sldId id="352" r:id="rId4"/>
+    <p:sldId id="358" r:id="rId5"/>
+    <p:sldId id="357" r:id="rId6"/>
+    <p:sldId id="356" r:id="rId7"/>
+    <p:sldId id="354" r:id="rId8"/>
+    <p:sldId id="262" r:id="rId9"/>
   </p:sldIdLst>
   <p:sldSz cx="9144000" cy="6858000" type="screen4x3"/>
   <p:notesSz cx="6858000" cy="9144000"/>
@@ -3710,29 +3709,7 @@
             </a:pPr>
             <a:r>
               <a:rPr lang="en-US" altLang="en-US" sz="4000" b="1" dirty="0"/>
-              <a:t>Collection</a:t>
-            </a:r>
-          </a:p>
-          <a:p>
-            <a:pPr eaLnBrk="1" hangingPunct="1">
-              <a:spcBef>
-                <a:spcPct val="0"/>
-              </a:spcBef>
-            </a:pPr>
-            <a:r>
-              <a:rPr lang="en-US" altLang="en-US" sz="4000" b="1" dirty="0"/>
-              <a:t>VS</a:t>
-            </a:r>
-          </a:p>
-          <a:p>
-            <a:pPr eaLnBrk="1" hangingPunct="1">
-              <a:spcBef>
-                <a:spcPct val="0"/>
-              </a:spcBef>
-            </a:pPr>
-            <a:r>
-              <a:rPr lang="en-US" altLang="en-US" sz="4000" b="1"/>
-              <a:t>Subcollection</a:t>
+              <a:t>Front End</a:t>
             </a:r>
             <a:endParaRPr lang="en-US" altLang="en-US" dirty="0"/>
           </a:p>
@@ -4048,7 +4025,7 @@
             </a:pPr>
             <a:r>
               <a:rPr lang="en-US" altLang="en-US" sz="6600" b="1" dirty="0"/>
-              <a:t>06</a:t>
+              <a:t>07</a:t>
             </a:r>
             <a:endParaRPr lang="en-US" altLang="en-US" sz="4000" dirty="0"/>
           </a:p>
@@ -4100,7 +4077,10 @@
           <a:bodyPr/>
           <a:lstStyle/>
           <a:p>
-            <a:endParaRPr lang="en-US"/>
+            <a:r>
+              <a:rPr lang="en-US" dirty="0"/>
+              <a:t>/routes/index.js</a:t>
+            </a:r>
           </a:p>
         </p:txBody>
       </p:sp>
@@ -4144,14 +4124,50 @@
           <a:lstStyle/>
           <a:p>
             <a:pPr algn="ctr"/>
-            <a:endParaRPr lang="en-US"/>
+            <a:endParaRPr lang="en-US" sz="2400" dirty="0">
+              <a:solidFill>
+                <a:schemeClr val="bg1">
+                  <a:lumMod val="50000"/>
+                </a:schemeClr>
+              </a:solidFill>
+            </a:endParaRPr>
           </a:p>
         </p:txBody>
       </p:sp>
+      <p:pic>
+        <p:nvPicPr>
+          <p:cNvPr id="3" name="Picture 2">
+            <a:extLst>
+              <a:ext uri="{FF2B5EF4-FFF2-40B4-BE49-F238E27FC236}">
+                <a16:creationId xmlns:a16="http://schemas.microsoft.com/office/drawing/2014/main" id="{2E2C372B-4DFF-48AC-8F5C-E578457B6686}"/>
+              </a:ext>
+            </a:extLst>
+          </p:cNvPr>
+          <p:cNvPicPr>
+            <a:picLocks noChangeAspect="1"/>
+          </p:cNvPicPr>
+          <p:nvPr/>
+        </p:nvPicPr>
+        <p:blipFill>
+          <a:blip r:embed="rId2"/>
+          <a:stretch>
+            <a:fillRect/>
+          </a:stretch>
+        </p:blipFill>
+        <p:spPr>
+          <a:xfrm>
+            <a:off x="1600200" y="2057400"/>
+            <a:ext cx="6177516" cy="3200400"/>
+          </a:xfrm>
+          <a:prstGeom prst="rect">
+            <a:avLst/>
+          </a:prstGeom>
+        </p:spPr>
+      </p:pic>
     </p:spTree>
     <p:extLst>
       <p:ext uri="{BB962C8B-B14F-4D97-AF65-F5344CB8AC3E}">
-        <p14:creationId xmlns:p14="http://schemas.microsoft.com/office/powerpoint/2010/main" val="2149153484"/>
+        <p14:creationId xmlns:p14="http://schemas.microsoft.com/office/powerpoint/2010/main" val="3887598875"/>
       </p:ext>
     </p:extLst>
   </p:cSld>
@@ -4199,7 +4215,10 @@
           <a:bodyPr/>
           <a:lstStyle/>
           <a:p>
-            <a:endParaRPr lang="en-US"/>
+            <a:r>
+              <a:rPr lang="en-US" dirty="0"/>
+              <a:t>Basic UI</a:t>
+            </a:r>
           </a:p>
         </p:txBody>
       </p:sp>
@@ -4243,14 +4262,50 @@
           <a:lstStyle/>
           <a:p>
             <a:pPr algn="ctr"/>
-            <a:endParaRPr lang="en-US"/>
+            <a:endParaRPr lang="en-US" sz="2400" dirty="0">
+              <a:solidFill>
+                <a:schemeClr val="bg1">
+                  <a:lumMod val="50000"/>
+                </a:schemeClr>
+              </a:solidFill>
+            </a:endParaRPr>
           </a:p>
         </p:txBody>
       </p:sp>
+      <p:pic>
+        <p:nvPicPr>
+          <p:cNvPr id="11" name="Picture 10">
+            <a:extLst>
+              <a:ext uri="{FF2B5EF4-FFF2-40B4-BE49-F238E27FC236}">
+                <a16:creationId xmlns:a16="http://schemas.microsoft.com/office/drawing/2014/main" id="{F5851A9F-46A6-409A-9BF8-E69BC406F9DA}"/>
+              </a:ext>
+            </a:extLst>
+          </p:cNvPr>
+          <p:cNvPicPr>
+            <a:picLocks noChangeAspect="1"/>
+          </p:cNvPicPr>
+          <p:nvPr/>
+        </p:nvPicPr>
+        <p:blipFill>
+          <a:blip r:embed="rId2"/>
+          <a:stretch>
+            <a:fillRect/>
+          </a:stretch>
+        </p:blipFill>
+        <p:spPr>
+          <a:xfrm>
+            <a:off x="266700" y="1600200"/>
+            <a:ext cx="8610600" cy="4358265"/>
+          </a:xfrm>
+          <a:prstGeom prst="rect">
+            <a:avLst/>
+          </a:prstGeom>
+        </p:spPr>
+      </p:pic>
     </p:spTree>
     <p:extLst>
       <p:ext uri="{BB962C8B-B14F-4D97-AF65-F5344CB8AC3E}">
-        <p14:creationId xmlns:p14="http://schemas.microsoft.com/office/powerpoint/2010/main" val="3251028515"/>
+        <p14:creationId xmlns:p14="http://schemas.microsoft.com/office/powerpoint/2010/main" val="2292523653"/>
       </p:ext>
     </p:extLst>
   </p:cSld>
@@ -4298,7 +4353,15 @@
           <a:bodyPr/>
           <a:lstStyle/>
           <a:p>
-            <a:endParaRPr lang="en-US"/>
+            <a:r>
+              <a:rPr lang="en-US" dirty="0"/>
+              <a:t>/views/main/</a:t>
+            </a:r>
+            <a:r>
+              <a:rPr lang="en-US" dirty="0" err="1"/>
+              <a:t>test.ejs</a:t>
+            </a:r>
+            <a:endParaRPr lang="en-US" dirty="0"/>
           </a:p>
         </p:txBody>
       </p:sp>
@@ -4342,6 +4405,198 @@
           <a:lstStyle/>
           <a:p>
             <a:pPr algn="ctr"/>
+            <a:endParaRPr lang="en-US" sz="2400" dirty="0">
+              <a:solidFill>
+                <a:schemeClr val="bg1">
+                  <a:lumMod val="50000"/>
+                </a:schemeClr>
+              </a:solidFill>
+            </a:endParaRPr>
+          </a:p>
+        </p:txBody>
+      </p:sp>
+      <p:pic>
+        <p:nvPicPr>
+          <p:cNvPr id="3" name="Picture 2">
+            <a:extLst>
+              <a:ext uri="{FF2B5EF4-FFF2-40B4-BE49-F238E27FC236}">
+                <a16:creationId xmlns:a16="http://schemas.microsoft.com/office/drawing/2014/main" id="{6F198C35-E921-4A95-830A-CAFD03280A06}"/>
+              </a:ext>
+            </a:extLst>
+          </p:cNvPr>
+          <p:cNvPicPr>
+            <a:picLocks noChangeAspect="1"/>
+          </p:cNvPicPr>
+          <p:nvPr/>
+        </p:nvPicPr>
+        <p:blipFill>
+          <a:blip r:embed="rId2"/>
+          <a:stretch>
+            <a:fillRect/>
+          </a:stretch>
+        </p:blipFill>
+        <p:spPr>
+          <a:xfrm>
+            <a:off x="381000" y="1981200"/>
+            <a:ext cx="8382000" cy="3508324"/>
+          </a:xfrm>
+          <a:prstGeom prst="rect">
+            <a:avLst/>
+          </a:prstGeom>
+        </p:spPr>
+      </p:pic>
+      <p:sp>
+        <p:nvSpPr>
+          <p:cNvPr id="6" name="Rectangle 5">
+            <a:extLst>
+              <a:ext uri="{FF2B5EF4-FFF2-40B4-BE49-F238E27FC236}">
+                <a16:creationId xmlns:a16="http://schemas.microsoft.com/office/drawing/2014/main" id="{43B9D015-CDA7-4987-978D-6D38479B4D3A}"/>
+              </a:ext>
+            </a:extLst>
+          </p:cNvPr>
+          <p:cNvSpPr/>
+          <p:nvPr/>
+        </p:nvSpPr>
+        <p:spPr>
+          <a:xfrm>
+            <a:off x="533400" y="2286000"/>
+            <a:ext cx="3788263" cy="381000"/>
+          </a:xfrm>
+          <a:prstGeom prst="rect">
+            <a:avLst/>
+          </a:prstGeom>
+          <a:noFill/>
+          <a:ln>
+            <a:solidFill>
+              <a:srgbClr val="FF0000"/>
+            </a:solidFill>
+          </a:ln>
+        </p:spPr>
+        <p:style>
+          <a:lnRef idx="2">
+            <a:schemeClr val="accent1">
+              <a:shade val="50000"/>
+            </a:schemeClr>
+          </a:lnRef>
+          <a:fillRef idx="1">
+            <a:schemeClr val="accent1"/>
+          </a:fillRef>
+          <a:effectRef idx="0">
+            <a:schemeClr val="accent1"/>
+          </a:effectRef>
+          <a:fontRef idx="minor">
+            <a:schemeClr val="lt1"/>
+          </a:fontRef>
+        </p:style>
+        <p:txBody>
+          <a:bodyPr rtlCol="0" anchor="ctr"/>
+          <a:lstStyle/>
+          <a:p>
+            <a:pPr algn="ctr"/>
+            <a:endParaRPr lang="en-US"/>
+          </a:p>
+        </p:txBody>
+      </p:sp>
+      <p:sp>
+        <p:nvSpPr>
+          <p:cNvPr id="7" name="Rectangle 6">
+            <a:extLst>
+              <a:ext uri="{FF2B5EF4-FFF2-40B4-BE49-F238E27FC236}">
+                <a16:creationId xmlns:a16="http://schemas.microsoft.com/office/drawing/2014/main" id="{3C37DA88-9E63-4ADD-8467-F9B0B09398F0}"/>
+              </a:ext>
+            </a:extLst>
+          </p:cNvPr>
+          <p:cNvSpPr/>
+          <p:nvPr/>
+        </p:nvSpPr>
+        <p:spPr>
+          <a:xfrm>
+            <a:off x="533400" y="2894038"/>
+            <a:ext cx="5562600" cy="381000"/>
+          </a:xfrm>
+          <a:prstGeom prst="rect">
+            <a:avLst/>
+          </a:prstGeom>
+          <a:noFill/>
+          <a:ln>
+            <a:solidFill>
+              <a:srgbClr val="FF0000"/>
+            </a:solidFill>
+          </a:ln>
+        </p:spPr>
+        <p:style>
+          <a:lnRef idx="2">
+            <a:schemeClr val="accent1">
+              <a:shade val="50000"/>
+            </a:schemeClr>
+          </a:lnRef>
+          <a:fillRef idx="1">
+            <a:schemeClr val="accent1"/>
+          </a:fillRef>
+          <a:effectRef idx="0">
+            <a:schemeClr val="accent1"/>
+          </a:effectRef>
+          <a:fontRef idx="minor">
+            <a:schemeClr val="lt1"/>
+          </a:fontRef>
+        </p:style>
+        <p:txBody>
+          <a:bodyPr rtlCol="0" anchor="ctr"/>
+          <a:lstStyle/>
+          <a:p>
+            <a:pPr algn="ctr"/>
+            <a:endParaRPr lang="en-US"/>
+          </a:p>
+        </p:txBody>
+      </p:sp>
+      <p:sp>
+        <p:nvSpPr>
+          <p:cNvPr id="8" name="Rectangle 7">
+            <a:extLst>
+              <a:ext uri="{FF2B5EF4-FFF2-40B4-BE49-F238E27FC236}">
+                <a16:creationId xmlns:a16="http://schemas.microsoft.com/office/drawing/2014/main" id="{F6ED3AE8-D36C-42FE-8B47-AD5BE124A63E}"/>
+              </a:ext>
+            </a:extLst>
+          </p:cNvPr>
+          <p:cNvSpPr/>
+          <p:nvPr/>
+        </p:nvSpPr>
+        <p:spPr>
+          <a:xfrm>
+            <a:off x="514926" y="3735362"/>
+            <a:ext cx="8095673" cy="1141438"/>
+          </a:xfrm>
+          <a:prstGeom prst="rect">
+            <a:avLst/>
+          </a:prstGeom>
+          <a:noFill/>
+          <a:ln>
+            <a:solidFill>
+              <a:srgbClr val="FF0000"/>
+            </a:solidFill>
+          </a:ln>
+        </p:spPr>
+        <p:style>
+          <a:lnRef idx="2">
+            <a:schemeClr val="accent1">
+              <a:shade val="50000"/>
+            </a:schemeClr>
+          </a:lnRef>
+          <a:fillRef idx="1">
+            <a:schemeClr val="accent1"/>
+          </a:fillRef>
+          <a:effectRef idx="0">
+            <a:schemeClr val="accent1"/>
+          </a:effectRef>
+          <a:fontRef idx="minor">
+            <a:schemeClr val="lt1"/>
+          </a:fontRef>
+        </p:style>
+        <p:txBody>
+          <a:bodyPr rtlCol="0" anchor="ctr"/>
+          <a:lstStyle/>
+          <a:p>
+            <a:pPr algn="ctr"/>
             <a:endParaRPr lang="en-US"/>
           </a:p>
         </p:txBody>
@@ -4349,13 +4604,207 @@
     </p:spTree>
     <p:extLst>
       <p:ext uri="{BB962C8B-B14F-4D97-AF65-F5344CB8AC3E}">
-        <p14:creationId xmlns:p14="http://schemas.microsoft.com/office/powerpoint/2010/main" val="141869805"/>
+        <p14:creationId xmlns:p14="http://schemas.microsoft.com/office/powerpoint/2010/main" val="473978423"/>
       </p:ext>
     </p:extLst>
   </p:cSld>
   <p:clrMapOvr>
     <a:masterClrMapping/>
   </p:clrMapOvr>
+  <p:timing>
+    <p:tnLst>
+      <p:par>
+        <p:cTn id="1" dur="indefinite" restart="never" nodeType="tmRoot">
+          <p:childTnLst>
+            <p:seq concurrent="1" nextAc="seek">
+              <p:cTn id="2" dur="indefinite" nodeType="mainSeq">
+                <p:childTnLst>
+                  <p:par>
+                    <p:cTn id="3" fill="hold">
+                      <p:stCondLst>
+                        <p:cond delay="indefinite"/>
+                      </p:stCondLst>
+                      <p:childTnLst>
+                        <p:par>
+                          <p:cTn id="4" fill="hold">
+                            <p:stCondLst>
+                              <p:cond delay="0"/>
+                            </p:stCondLst>
+                            <p:childTnLst>
+                              <p:par>
+                                <p:cTn id="5" presetID="10" presetClass="entr" presetSubtype="0" fill="hold" grpId="0" nodeType="clickEffect">
+                                  <p:stCondLst>
+                                    <p:cond delay="0"/>
+                                  </p:stCondLst>
+                                  <p:childTnLst>
+                                    <p:set>
+                                      <p:cBhvr>
+                                        <p:cTn id="6" dur="1" fill="hold">
+                                          <p:stCondLst>
+                                            <p:cond delay="0"/>
+                                          </p:stCondLst>
+                                        </p:cTn>
+                                        <p:tgtEl>
+                                          <p:spTgt spid="6"/>
+                                        </p:tgtEl>
+                                        <p:attrNameLst>
+                                          <p:attrName>style.visibility</p:attrName>
+                                        </p:attrNameLst>
+                                      </p:cBhvr>
+                                      <p:to>
+                                        <p:strVal val="visible"/>
+                                      </p:to>
+                                    </p:set>
+                                    <p:animEffect transition="in" filter="fade">
+                                      <p:cBhvr>
+                                        <p:cTn id="7" dur="500"/>
+                                        <p:tgtEl>
+                                          <p:spTgt spid="6"/>
+                                        </p:tgtEl>
+                                      </p:cBhvr>
+                                    </p:animEffect>
+                                  </p:childTnLst>
+                                </p:cTn>
+                              </p:par>
+                            </p:childTnLst>
+                          </p:cTn>
+                        </p:par>
+                      </p:childTnLst>
+                    </p:cTn>
+                  </p:par>
+                  <p:par>
+                    <p:cTn id="8" fill="hold">
+                      <p:stCondLst>
+                        <p:cond delay="indefinite"/>
+                      </p:stCondLst>
+                      <p:childTnLst>
+                        <p:par>
+                          <p:cTn id="9" fill="hold">
+                            <p:stCondLst>
+                              <p:cond delay="0"/>
+                            </p:stCondLst>
+                            <p:childTnLst>
+                              <p:par>
+                                <p:cTn id="10" presetID="10" presetClass="entr" presetSubtype="0" fill="hold" grpId="0" nodeType="clickEffect">
+                                  <p:stCondLst>
+                                    <p:cond delay="0"/>
+                                  </p:stCondLst>
+                                  <p:childTnLst>
+                                    <p:set>
+                                      <p:cBhvr>
+                                        <p:cTn id="11" dur="1" fill="hold">
+                                          <p:stCondLst>
+                                            <p:cond delay="0"/>
+                                          </p:stCondLst>
+                                        </p:cTn>
+                                        <p:tgtEl>
+                                          <p:spTgt spid="7"/>
+                                        </p:tgtEl>
+                                        <p:attrNameLst>
+                                          <p:attrName>style.visibility</p:attrName>
+                                        </p:attrNameLst>
+                                      </p:cBhvr>
+                                      <p:to>
+                                        <p:strVal val="visible"/>
+                                      </p:to>
+                                    </p:set>
+                                    <p:animEffect transition="in" filter="fade">
+                                      <p:cBhvr>
+                                        <p:cTn id="12" dur="500"/>
+                                        <p:tgtEl>
+                                          <p:spTgt spid="7"/>
+                                        </p:tgtEl>
+                                      </p:cBhvr>
+                                    </p:animEffect>
+                                  </p:childTnLst>
+                                </p:cTn>
+                              </p:par>
+                            </p:childTnLst>
+                          </p:cTn>
+                        </p:par>
+                      </p:childTnLst>
+                    </p:cTn>
+                  </p:par>
+                  <p:par>
+                    <p:cTn id="13" fill="hold">
+                      <p:stCondLst>
+                        <p:cond delay="indefinite"/>
+                      </p:stCondLst>
+                      <p:childTnLst>
+                        <p:par>
+                          <p:cTn id="14" fill="hold">
+                            <p:stCondLst>
+                              <p:cond delay="0"/>
+                            </p:stCondLst>
+                            <p:childTnLst>
+                              <p:par>
+                                <p:cTn id="15" presetID="10" presetClass="entr" presetSubtype="0" fill="hold" grpId="0" nodeType="clickEffect">
+                                  <p:stCondLst>
+                                    <p:cond delay="0"/>
+                                  </p:stCondLst>
+                                  <p:childTnLst>
+                                    <p:set>
+                                      <p:cBhvr>
+                                        <p:cTn id="16" dur="1" fill="hold">
+                                          <p:stCondLst>
+                                            <p:cond delay="0"/>
+                                          </p:stCondLst>
+                                        </p:cTn>
+                                        <p:tgtEl>
+                                          <p:spTgt spid="8"/>
+                                        </p:tgtEl>
+                                        <p:attrNameLst>
+                                          <p:attrName>style.visibility</p:attrName>
+                                        </p:attrNameLst>
+                                      </p:cBhvr>
+                                      <p:to>
+                                        <p:strVal val="visible"/>
+                                      </p:to>
+                                    </p:set>
+                                    <p:animEffect transition="in" filter="fade">
+                                      <p:cBhvr>
+                                        <p:cTn id="17" dur="500"/>
+                                        <p:tgtEl>
+                                          <p:spTgt spid="8"/>
+                                        </p:tgtEl>
+                                      </p:cBhvr>
+                                    </p:animEffect>
+                                  </p:childTnLst>
+                                </p:cTn>
+                              </p:par>
+                            </p:childTnLst>
+                          </p:cTn>
+                        </p:par>
+                      </p:childTnLst>
+                    </p:cTn>
+                  </p:par>
+                </p:childTnLst>
+              </p:cTn>
+              <p:prevCondLst>
+                <p:cond evt="onPrev" delay="0">
+                  <p:tgtEl>
+                    <p:sldTgt/>
+                  </p:tgtEl>
+                </p:cond>
+              </p:prevCondLst>
+              <p:nextCondLst>
+                <p:cond evt="onNext" delay="0">
+                  <p:tgtEl>
+                    <p:sldTgt/>
+                  </p:tgtEl>
+                </p:cond>
+              </p:nextCondLst>
+            </p:seq>
+          </p:childTnLst>
+        </p:cTn>
+      </p:par>
+    </p:tnLst>
+    <p:bldLst>
+      <p:bldP spid="6" grpId="0" animBg="1"/>
+      <p:bldP spid="7" grpId="0" animBg="1"/>
+      <p:bldP spid="8" grpId="0" animBg="1"/>
+    </p:bldLst>
+  </p:timing>
 </p:sld>
 </file>
 
@@ -4397,7 +4846,15 @@
           <a:bodyPr/>
           <a:lstStyle/>
           <a:p>
-            <a:endParaRPr lang="en-US"/>
+            <a:r>
+              <a:rPr lang="en-US" dirty="0"/>
+              <a:t>/views/main/</a:t>
+            </a:r>
+            <a:r>
+              <a:rPr lang="en-US" dirty="0" err="1"/>
+              <a:t>test.ejs</a:t>
+            </a:r>
+            <a:endParaRPr lang="en-US" dirty="0"/>
           </a:p>
         </p:txBody>
       </p:sp>
@@ -4441,6 +4898,399 @@
           <a:lstStyle/>
           <a:p>
             <a:pPr algn="ctr"/>
+            <a:endParaRPr lang="en-US" sz="2400" dirty="0">
+              <a:solidFill>
+                <a:schemeClr val="bg1">
+                  <a:lumMod val="50000"/>
+                </a:schemeClr>
+              </a:solidFill>
+            </a:endParaRPr>
+          </a:p>
+        </p:txBody>
+      </p:sp>
+      <p:pic>
+        <p:nvPicPr>
+          <p:cNvPr id="3" name="Picture 2">
+            <a:extLst>
+              <a:ext uri="{FF2B5EF4-FFF2-40B4-BE49-F238E27FC236}">
+                <a16:creationId xmlns:a16="http://schemas.microsoft.com/office/drawing/2014/main" id="{899785C9-19FC-4760-8FE6-F478C7EB6861}"/>
+              </a:ext>
+            </a:extLst>
+          </p:cNvPr>
+          <p:cNvPicPr>
+            <a:picLocks noChangeAspect="1"/>
+          </p:cNvPicPr>
+          <p:nvPr/>
+        </p:nvPicPr>
+        <p:blipFill rotWithShape="1">
+          <a:blip r:embed="rId2"/>
+          <a:srcRect b="44838"/>
+          <a:stretch/>
+        </p:blipFill>
+        <p:spPr>
+          <a:xfrm>
+            <a:off x="457200" y="1232678"/>
+            <a:ext cx="8291856" cy="1835178"/>
+          </a:xfrm>
+          <a:prstGeom prst="rect">
+            <a:avLst/>
+          </a:prstGeom>
+        </p:spPr>
+      </p:pic>
+      <p:pic>
+        <p:nvPicPr>
+          <p:cNvPr id="5" name="Picture 4">
+            <a:extLst>
+              <a:ext uri="{FF2B5EF4-FFF2-40B4-BE49-F238E27FC236}">
+                <a16:creationId xmlns:a16="http://schemas.microsoft.com/office/drawing/2014/main" id="{17877AD9-013F-4BB2-8382-6744CA0DC469}"/>
+              </a:ext>
+            </a:extLst>
+          </p:cNvPr>
+          <p:cNvPicPr>
+            <a:picLocks noChangeAspect="1"/>
+          </p:cNvPicPr>
+          <p:nvPr/>
+        </p:nvPicPr>
+        <p:blipFill>
+          <a:blip r:embed="rId3"/>
+          <a:stretch>
+            <a:fillRect/>
+          </a:stretch>
+        </p:blipFill>
+        <p:spPr>
+          <a:xfrm>
+            <a:off x="475673" y="3309934"/>
+            <a:ext cx="2981325" cy="638175"/>
+          </a:xfrm>
+          <a:prstGeom prst="rect">
+            <a:avLst/>
+          </a:prstGeom>
+        </p:spPr>
+      </p:pic>
+      <p:pic>
+        <p:nvPicPr>
+          <p:cNvPr id="6" name="Picture 5">
+            <a:extLst>
+              <a:ext uri="{FF2B5EF4-FFF2-40B4-BE49-F238E27FC236}">
+                <a16:creationId xmlns:a16="http://schemas.microsoft.com/office/drawing/2014/main" id="{F9F8289D-4732-4943-B06E-6C3B13699602}"/>
+              </a:ext>
+            </a:extLst>
+          </p:cNvPr>
+          <p:cNvPicPr>
+            <a:picLocks noChangeAspect="1"/>
+          </p:cNvPicPr>
+          <p:nvPr/>
+        </p:nvPicPr>
+        <p:blipFill>
+          <a:blip r:embed="rId4"/>
+          <a:stretch>
+            <a:fillRect/>
+          </a:stretch>
+        </p:blipFill>
+        <p:spPr>
+          <a:xfrm>
+            <a:off x="475673" y="4207667"/>
+            <a:ext cx="2695575" cy="561975"/>
+          </a:xfrm>
+          <a:prstGeom prst="rect">
+            <a:avLst/>
+          </a:prstGeom>
+        </p:spPr>
+      </p:pic>
+      <p:pic>
+        <p:nvPicPr>
+          <p:cNvPr id="7" name="Picture 6">
+            <a:extLst>
+              <a:ext uri="{FF2B5EF4-FFF2-40B4-BE49-F238E27FC236}">
+                <a16:creationId xmlns:a16="http://schemas.microsoft.com/office/drawing/2014/main" id="{2047E512-D9A8-499E-87BF-1476779D03EE}"/>
+              </a:ext>
+            </a:extLst>
+          </p:cNvPr>
+          <p:cNvPicPr>
+            <a:picLocks noChangeAspect="1"/>
+          </p:cNvPicPr>
+          <p:nvPr/>
+        </p:nvPicPr>
+        <p:blipFill>
+          <a:blip r:embed="rId5"/>
+          <a:stretch>
+            <a:fillRect/>
+          </a:stretch>
+        </p:blipFill>
+        <p:spPr>
+          <a:xfrm>
+            <a:off x="457200" y="5012570"/>
+            <a:ext cx="6410325" cy="1371600"/>
+          </a:xfrm>
+          <a:prstGeom prst="rect">
+            <a:avLst/>
+          </a:prstGeom>
+        </p:spPr>
+      </p:pic>
+      <p:pic>
+        <p:nvPicPr>
+          <p:cNvPr id="8" name="Picture 7">
+            <a:extLst>
+              <a:ext uri="{FF2B5EF4-FFF2-40B4-BE49-F238E27FC236}">
+                <a16:creationId xmlns:a16="http://schemas.microsoft.com/office/drawing/2014/main" id="{92476A26-2D05-46C7-A7A4-C7606F1B028A}"/>
+              </a:ext>
+            </a:extLst>
+          </p:cNvPr>
+          <p:cNvPicPr>
+            <a:picLocks noChangeAspect="1"/>
+          </p:cNvPicPr>
+          <p:nvPr/>
+        </p:nvPicPr>
+        <p:blipFill>
+          <a:blip r:embed="rId6"/>
+          <a:stretch>
+            <a:fillRect/>
+          </a:stretch>
+        </p:blipFill>
+        <p:spPr>
+          <a:xfrm>
+            <a:off x="4474063" y="3278835"/>
+            <a:ext cx="4295775" cy="933450"/>
+          </a:xfrm>
+          <a:prstGeom prst="rect">
+            <a:avLst/>
+          </a:prstGeom>
+        </p:spPr>
+      </p:pic>
+      <p:pic>
+        <p:nvPicPr>
+          <p:cNvPr id="9" name="Picture 8">
+            <a:extLst>
+              <a:ext uri="{FF2B5EF4-FFF2-40B4-BE49-F238E27FC236}">
+                <a16:creationId xmlns:a16="http://schemas.microsoft.com/office/drawing/2014/main" id="{DDCBA046-44D1-43D1-B71A-FFD6647A38C5}"/>
+              </a:ext>
+            </a:extLst>
+          </p:cNvPr>
+          <p:cNvPicPr>
+            <a:picLocks noChangeAspect="1"/>
+          </p:cNvPicPr>
+          <p:nvPr/>
+        </p:nvPicPr>
+        <p:blipFill>
+          <a:blip r:embed="rId7"/>
+          <a:stretch>
+            <a:fillRect/>
+          </a:stretch>
+        </p:blipFill>
+        <p:spPr>
+          <a:xfrm>
+            <a:off x="1840917" y="3571651"/>
+            <a:ext cx="5353455" cy="2238978"/>
+          </a:xfrm>
+          <a:prstGeom prst="rect">
+            <a:avLst/>
+          </a:prstGeom>
+        </p:spPr>
+      </p:pic>
+      <p:sp>
+        <p:nvSpPr>
+          <p:cNvPr id="10" name="Rectangle 9">
+            <a:extLst>
+              <a:ext uri="{FF2B5EF4-FFF2-40B4-BE49-F238E27FC236}">
+                <a16:creationId xmlns:a16="http://schemas.microsoft.com/office/drawing/2014/main" id="{EBF7D1C0-FA2C-49F6-9C38-406ED2458FE2}"/>
+              </a:ext>
+            </a:extLst>
+          </p:cNvPr>
+          <p:cNvSpPr/>
+          <p:nvPr/>
+        </p:nvSpPr>
+        <p:spPr>
+          <a:xfrm>
+            <a:off x="685800" y="1524000"/>
+            <a:ext cx="3788263" cy="304800"/>
+          </a:xfrm>
+          <a:prstGeom prst="rect">
+            <a:avLst/>
+          </a:prstGeom>
+          <a:noFill/>
+          <a:ln>
+            <a:solidFill>
+              <a:srgbClr val="FF0000"/>
+            </a:solidFill>
+          </a:ln>
+        </p:spPr>
+        <p:style>
+          <a:lnRef idx="2">
+            <a:schemeClr val="accent1">
+              <a:shade val="50000"/>
+            </a:schemeClr>
+          </a:lnRef>
+          <a:fillRef idx="1">
+            <a:schemeClr val="accent1"/>
+          </a:fillRef>
+          <a:effectRef idx="0">
+            <a:schemeClr val="accent1"/>
+          </a:effectRef>
+          <a:fontRef idx="minor">
+            <a:schemeClr val="lt1"/>
+          </a:fontRef>
+        </p:style>
+        <p:txBody>
+          <a:bodyPr rtlCol="0" anchor="ctr"/>
+          <a:lstStyle/>
+          <a:p>
+            <a:pPr algn="ctr"/>
+            <a:endParaRPr lang="en-US"/>
+          </a:p>
+        </p:txBody>
+      </p:sp>
+      <p:sp>
+        <p:nvSpPr>
+          <p:cNvPr id="11" name="Rectangle 10">
+            <a:extLst>
+              <a:ext uri="{FF2B5EF4-FFF2-40B4-BE49-F238E27FC236}">
+                <a16:creationId xmlns:a16="http://schemas.microsoft.com/office/drawing/2014/main" id="{5122EB27-042F-434E-9425-A59063B2AA69}"/>
+              </a:ext>
+            </a:extLst>
+          </p:cNvPr>
+          <p:cNvSpPr/>
+          <p:nvPr/>
+        </p:nvSpPr>
+        <p:spPr>
+          <a:xfrm>
+            <a:off x="701672" y="2020838"/>
+            <a:ext cx="3788263" cy="304800"/>
+          </a:xfrm>
+          <a:prstGeom prst="rect">
+            <a:avLst/>
+          </a:prstGeom>
+          <a:noFill/>
+          <a:ln>
+            <a:solidFill>
+              <a:srgbClr val="FF0000"/>
+            </a:solidFill>
+          </a:ln>
+        </p:spPr>
+        <p:style>
+          <a:lnRef idx="2">
+            <a:schemeClr val="accent1">
+              <a:shade val="50000"/>
+            </a:schemeClr>
+          </a:lnRef>
+          <a:fillRef idx="1">
+            <a:schemeClr val="accent1"/>
+          </a:fillRef>
+          <a:effectRef idx="0">
+            <a:schemeClr val="accent1"/>
+          </a:effectRef>
+          <a:fontRef idx="minor">
+            <a:schemeClr val="lt1"/>
+          </a:fontRef>
+        </p:style>
+        <p:txBody>
+          <a:bodyPr rtlCol="0" anchor="ctr"/>
+          <a:lstStyle/>
+          <a:p>
+            <a:pPr algn="ctr"/>
+            <a:endParaRPr lang="en-US"/>
+          </a:p>
+        </p:txBody>
+      </p:sp>
+      <p:sp>
+        <p:nvSpPr>
+          <p:cNvPr id="12" name="Rectangle 11">
+            <a:extLst>
+              <a:ext uri="{FF2B5EF4-FFF2-40B4-BE49-F238E27FC236}">
+                <a16:creationId xmlns:a16="http://schemas.microsoft.com/office/drawing/2014/main" id="{1888D20E-D435-4609-B31F-6C48DBA209A3}"/>
+              </a:ext>
+            </a:extLst>
+          </p:cNvPr>
+          <p:cNvSpPr/>
+          <p:nvPr/>
+        </p:nvSpPr>
+        <p:spPr>
+          <a:xfrm>
+            <a:off x="4669937" y="1524000"/>
+            <a:ext cx="3788263" cy="304800"/>
+          </a:xfrm>
+          <a:prstGeom prst="rect">
+            <a:avLst/>
+          </a:prstGeom>
+          <a:noFill/>
+          <a:ln>
+            <a:solidFill>
+              <a:srgbClr val="FF0000"/>
+            </a:solidFill>
+          </a:ln>
+        </p:spPr>
+        <p:style>
+          <a:lnRef idx="2">
+            <a:schemeClr val="accent1">
+              <a:shade val="50000"/>
+            </a:schemeClr>
+          </a:lnRef>
+          <a:fillRef idx="1">
+            <a:schemeClr val="accent1"/>
+          </a:fillRef>
+          <a:effectRef idx="0">
+            <a:schemeClr val="accent1"/>
+          </a:effectRef>
+          <a:fontRef idx="minor">
+            <a:schemeClr val="lt1"/>
+          </a:fontRef>
+        </p:style>
+        <p:txBody>
+          <a:bodyPr rtlCol="0" anchor="ctr"/>
+          <a:lstStyle/>
+          <a:p>
+            <a:pPr algn="ctr"/>
+            <a:endParaRPr lang="en-US"/>
+          </a:p>
+        </p:txBody>
+      </p:sp>
+      <p:sp>
+        <p:nvSpPr>
+          <p:cNvPr id="13" name="Rectangle 12">
+            <a:extLst>
+              <a:ext uri="{FF2B5EF4-FFF2-40B4-BE49-F238E27FC236}">
+                <a16:creationId xmlns:a16="http://schemas.microsoft.com/office/drawing/2014/main" id="{822BE1B2-603E-4D6C-84A2-7479435924F5}"/>
+              </a:ext>
+            </a:extLst>
+          </p:cNvPr>
+          <p:cNvSpPr/>
+          <p:nvPr/>
+        </p:nvSpPr>
+        <p:spPr>
+          <a:xfrm>
+            <a:off x="4669936" y="2524280"/>
+            <a:ext cx="3788263" cy="304800"/>
+          </a:xfrm>
+          <a:prstGeom prst="rect">
+            <a:avLst/>
+          </a:prstGeom>
+          <a:noFill/>
+          <a:ln>
+            <a:solidFill>
+              <a:srgbClr val="FF0000"/>
+            </a:solidFill>
+          </a:ln>
+        </p:spPr>
+        <p:style>
+          <a:lnRef idx="2">
+            <a:schemeClr val="accent1">
+              <a:shade val="50000"/>
+            </a:schemeClr>
+          </a:lnRef>
+          <a:fillRef idx="1">
+            <a:schemeClr val="accent1"/>
+          </a:fillRef>
+          <a:effectRef idx="0">
+            <a:schemeClr val="accent1"/>
+          </a:effectRef>
+          <a:fontRef idx="minor">
+            <a:schemeClr val="lt1"/>
+          </a:fontRef>
+        </p:style>
+        <p:txBody>
+          <a:bodyPr rtlCol="0" anchor="ctr"/>
+          <a:lstStyle/>
+          <a:p>
+            <a:pPr algn="ctr"/>
             <a:endParaRPr lang="en-US"/>
           </a:p>
         </p:txBody>
@@ -4448,13 +5298,774 @@
     </p:spTree>
     <p:extLst>
       <p:ext uri="{BB962C8B-B14F-4D97-AF65-F5344CB8AC3E}">
-        <p14:creationId xmlns:p14="http://schemas.microsoft.com/office/powerpoint/2010/main" val="3200100021"/>
+        <p14:creationId xmlns:p14="http://schemas.microsoft.com/office/powerpoint/2010/main" val="2700344174"/>
       </p:ext>
     </p:extLst>
   </p:cSld>
   <p:clrMapOvr>
     <a:masterClrMapping/>
   </p:clrMapOvr>
+  <p:timing>
+    <p:tnLst>
+      <p:par>
+        <p:cTn id="1" dur="indefinite" restart="never" nodeType="tmRoot">
+          <p:childTnLst>
+            <p:seq concurrent="1" nextAc="seek">
+              <p:cTn id="2" dur="indefinite" nodeType="mainSeq">
+                <p:childTnLst>
+                  <p:par>
+                    <p:cTn id="3" fill="hold">
+                      <p:stCondLst>
+                        <p:cond delay="indefinite"/>
+                      </p:stCondLst>
+                      <p:childTnLst>
+                        <p:par>
+                          <p:cTn id="4" fill="hold">
+                            <p:stCondLst>
+                              <p:cond delay="0"/>
+                            </p:stCondLst>
+                            <p:childTnLst>
+                              <p:par>
+                                <p:cTn id="5" presetID="10" presetClass="entr" presetSubtype="0" fill="hold" grpId="0" nodeType="clickEffect">
+                                  <p:stCondLst>
+                                    <p:cond delay="0"/>
+                                  </p:stCondLst>
+                                  <p:childTnLst>
+                                    <p:set>
+                                      <p:cBhvr>
+                                        <p:cTn id="6" dur="1" fill="hold">
+                                          <p:stCondLst>
+                                            <p:cond delay="0"/>
+                                          </p:stCondLst>
+                                        </p:cTn>
+                                        <p:tgtEl>
+                                          <p:spTgt spid="10"/>
+                                        </p:tgtEl>
+                                        <p:attrNameLst>
+                                          <p:attrName>style.visibility</p:attrName>
+                                        </p:attrNameLst>
+                                      </p:cBhvr>
+                                      <p:to>
+                                        <p:strVal val="visible"/>
+                                      </p:to>
+                                    </p:set>
+                                    <p:animEffect transition="in" filter="fade">
+                                      <p:cBhvr>
+                                        <p:cTn id="7" dur="500"/>
+                                        <p:tgtEl>
+                                          <p:spTgt spid="10"/>
+                                        </p:tgtEl>
+                                      </p:cBhvr>
+                                    </p:animEffect>
+                                  </p:childTnLst>
+                                </p:cTn>
+                              </p:par>
+                              <p:par>
+                                <p:cTn id="8" presetID="10" presetClass="entr" presetSubtype="0" fill="hold" nodeType="withEffect">
+                                  <p:stCondLst>
+                                    <p:cond delay="0"/>
+                                  </p:stCondLst>
+                                  <p:childTnLst>
+                                    <p:set>
+                                      <p:cBhvr>
+                                        <p:cTn id="9" dur="1" fill="hold">
+                                          <p:stCondLst>
+                                            <p:cond delay="0"/>
+                                          </p:stCondLst>
+                                        </p:cTn>
+                                        <p:tgtEl>
+                                          <p:spTgt spid="5"/>
+                                        </p:tgtEl>
+                                        <p:attrNameLst>
+                                          <p:attrName>style.visibility</p:attrName>
+                                        </p:attrNameLst>
+                                      </p:cBhvr>
+                                      <p:to>
+                                        <p:strVal val="visible"/>
+                                      </p:to>
+                                    </p:set>
+                                    <p:animEffect transition="in" filter="fade">
+                                      <p:cBhvr>
+                                        <p:cTn id="10" dur="500"/>
+                                        <p:tgtEl>
+                                          <p:spTgt spid="5"/>
+                                        </p:tgtEl>
+                                      </p:cBhvr>
+                                    </p:animEffect>
+                                  </p:childTnLst>
+                                </p:cTn>
+                              </p:par>
+                            </p:childTnLst>
+                          </p:cTn>
+                        </p:par>
+                      </p:childTnLst>
+                    </p:cTn>
+                  </p:par>
+                  <p:par>
+                    <p:cTn id="11" fill="hold">
+                      <p:stCondLst>
+                        <p:cond delay="indefinite"/>
+                      </p:stCondLst>
+                      <p:childTnLst>
+                        <p:par>
+                          <p:cTn id="12" fill="hold">
+                            <p:stCondLst>
+                              <p:cond delay="0"/>
+                            </p:stCondLst>
+                            <p:childTnLst>
+                              <p:par>
+                                <p:cTn id="13" presetID="10" presetClass="exit" presetSubtype="0" fill="hold" grpId="1" nodeType="clickEffect">
+                                  <p:stCondLst>
+                                    <p:cond delay="0"/>
+                                  </p:stCondLst>
+                                  <p:childTnLst>
+                                    <p:animEffect transition="out" filter="fade">
+                                      <p:cBhvr>
+                                        <p:cTn id="14" dur="500"/>
+                                        <p:tgtEl>
+                                          <p:spTgt spid="10"/>
+                                        </p:tgtEl>
+                                      </p:cBhvr>
+                                    </p:animEffect>
+                                    <p:set>
+                                      <p:cBhvr>
+                                        <p:cTn id="15" dur="1" fill="hold">
+                                          <p:stCondLst>
+                                            <p:cond delay="499"/>
+                                          </p:stCondLst>
+                                        </p:cTn>
+                                        <p:tgtEl>
+                                          <p:spTgt spid="10"/>
+                                        </p:tgtEl>
+                                        <p:attrNameLst>
+                                          <p:attrName>style.visibility</p:attrName>
+                                        </p:attrNameLst>
+                                      </p:cBhvr>
+                                      <p:to>
+                                        <p:strVal val="hidden"/>
+                                      </p:to>
+                                    </p:set>
+                                  </p:childTnLst>
+                                </p:cTn>
+                              </p:par>
+                              <p:par>
+                                <p:cTn id="16" presetID="10" presetClass="exit" presetSubtype="0" fill="hold" nodeType="withEffect">
+                                  <p:stCondLst>
+                                    <p:cond delay="0"/>
+                                  </p:stCondLst>
+                                  <p:childTnLst>
+                                    <p:animEffect transition="out" filter="fade">
+                                      <p:cBhvr>
+                                        <p:cTn id="17" dur="500"/>
+                                        <p:tgtEl>
+                                          <p:spTgt spid="5"/>
+                                        </p:tgtEl>
+                                      </p:cBhvr>
+                                    </p:animEffect>
+                                    <p:set>
+                                      <p:cBhvr>
+                                        <p:cTn id="18" dur="1" fill="hold">
+                                          <p:stCondLst>
+                                            <p:cond delay="499"/>
+                                          </p:stCondLst>
+                                        </p:cTn>
+                                        <p:tgtEl>
+                                          <p:spTgt spid="5"/>
+                                        </p:tgtEl>
+                                        <p:attrNameLst>
+                                          <p:attrName>style.visibility</p:attrName>
+                                        </p:attrNameLst>
+                                      </p:cBhvr>
+                                      <p:to>
+                                        <p:strVal val="hidden"/>
+                                      </p:to>
+                                    </p:set>
+                                  </p:childTnLst>
+                                </p:cTn>
+                              </p:par>
+                            </p:childTnLst>
+                          </p:cTn>
+                        </p:par>
+                        <p:par>
+                          <p:cTn id="19" fill="hold">
+                            <p:stCondLst>
+                              <p:cond delay="500"/>
+                            </p:stCondLst>
+                            <p:childTnLst>
+                              <p:par>
+                                <p:cTn id="20" presetID="10" presetClass="entr" presetSubtype="0" fill="hold" grpId="0" nodeType="afterEffect">
+                                  <p:stCondLst>
+                                    <p:cond delay="0"/>
+                                  </p:stCondLst>
+                                  <p:childTnLst>
+                                    <p:set>
+                                      <p:cBhvr>
+                                        <p:cTn id="21" dur="1" fill="hold">
+                                          <p:stCondLst>
+                                            <p:cond delay="0"/>
+                                          </p:stCondLst>
+                                        </p:cTn>
+                                        <p:tgtEl>
+                                          <p:spTgt spid="12"/>
+                                        </p:tgtEl>
+                                        <p:attrNameLst>
+                                          <p:attrName>style.visibility</p:attrName>
+                                        </p:attrNameLst>
+                                      </p:cBhvr>
+                                      <p:to>
+                                        <p:strVal val="visible"/>
+                                      </p:to>
+                                    </p:set>
+                                    <p:animEffect transition="in" filter="fade">
+                                      <p:cBhvr>
+                                        <p:cTn id="22" dur="500"/>
+                                        <p:tgtEl>
+                                          <p:spTgt spid="12"/>
+                                        </p:tgtEl>
+                                      </p:cBhvr>
+                                    </p:animEffect>
+                                  </p:childTnLst>
+                                </p:cTn>
+                              </p:par>
+                              <p:par>
+                                <p:cTn id="23" presetID="10" presetClass="entr" presetSubtype="0" fill="hold" nodeType="withEffect">
+                                  <p:stCondLst>
+                                    <p:cond delay="0"/>
+                                  </p:stCondLst>
+                                  <p:childTnLst>
+                                    <p:set>
+                                      <p:cBhvr>
+                                        <p:cTn id="24" dur="1" fill="hold">
+                                          <p:stCondLst>
+                                            <p:cond delay="0"/>
+                                          </p:stCondLst>
+                                        </p:cTn>
+                                        <p:tgtEl>
+                                          <p:spTgt spid="6"/>
+                                        </p:tgtEl>
+                                        <p:attrNameLst>
+                                          <p:attrName>style.visibility</p:attrName>
+                                        </p:attrNameLst>
+                                      </p:cBhvr>
+                                      <p:to>
+                                        <p:strVal val="visible"/>
+                                      </p:to>
+                                    </p:set>
+                                    <p:animEffect transition="in" filter="fade">
+                                      <p:cBhvr>
+                                        <p:cTn id="25" dur="500"/>
+                                        <p:tgtEl>
+                                          <p:spTgt spid="6"/>
+                                        </p:tgtEl>
+                                      </p:cBhvr>
+                                    </p:animEffect>
+                                  </p:childTnLst>
+                                </p:cTn>
+                              </p:par>
+                            </p:childTnLst>
+                          </p:cTn>
+                        </p:par>
+                      </p:childTnLst>
+                    </p:cTn>
+                  </p:par>
+                  <p:par>
+                    <p:cTn id="26" fill="hold">
+                      <p:stCondLst>
+                        <p:cond delay="indefinite"/>
+                      </p:stCondLst>
+                      <p:childTnLst>
+                        <p:par>
+                          <p:cTn id="27" fill="hold">
+                            <p:stCondLst>
+                              <p:cond delay="0"/>
+                            </p:stCondLst>
+                            <p:childTnLst>
+                              <p:par>
+                                <p:cTn id="28" presetID="10" presetClass="exit" presetSubtype="0" fill="hold" grpId="1" nodeType="clickEffect">
+                                  <p:stCondLst>
+                                    <p:cond delay="0"/>
+                                  </p:stCondLst>
+                                  <p:childTnLst>
+                                    <p:animEffect transition="out" filter="fade">
+                                      <p:cBhvr>
+                                        <p:cTn id="29" dur="500"/>
+                                        <p:tgtEl>
+                                          <p:spTgt spid="12"/>
+                                        </p:tgtEl>
+                                      </p:cBhvr>
+                                    </p:animEffect>
+                                    <p:set>
+                                      <p:cBhvr>
+                                        <p:cTn id="30" dur="1" fill="hold">
+                                          <p:stCondLst>
+                                            <p:cond delay="499"/>
+                                          </p:stCondLst>
+                                        </p:cTn>
+                                        <p:tgtEl>
+                                          <p:spTgt spid="12"/>
+                                        </p:tgtEl>
+                                        <p:attrNameLst>
+                                          <p:attrName>style.visibility</p:attrName>
+                                        </p:attrNameLst>
+                                      </p:cBhvr>
+                                      <p:to>
+                                        <p:strVal val="hidden"/>
+                                      </p:to>
+                                    </p:set>
+                                  </p:childTnLst>
+                                </p:cTn>
+                              </p:par>
+                              <p:par>
+                                <p:cTn id="31" presetID="10" presetClass="exit" presetSubtype="0" fill="hold" nodeType="withEffect">
+                                  <p:stCondLst>
+                                    <p:cond delay="0"/>
+                                  </p:stCondLst>
+                                  <p:childTnLst>
+                                    <p:animEffect transition="out" filter="fade">
+                                      <p:cBhvr>
+                                        <p:cTn id="32" dur="500"/>
+                                        <p:tgtEl>
+                                          <p:spTgt spid="6"/>
+                                        </p:tgtEl>
+                                      </p:cBhvr>
+                                    </p:animEffect>
+                                    <p:set>
+                                      <p:cBhvr>
+                                        <p:cTn id="33" dur="1" fill="hold">
+                                          <p:stCondLst>
+                                            <p:cond delay="499"/>
+                                          </p:stCondLst>
+                                        </p:cTn>
+                                        <p:tgtEl>
+                                          <p:spTgt spid="6"/>
+                                        </p:tgtEl>
+                                        <p:attrNameLst>
+                                          <p:attrName>style.visibility</p:attrName>
+                                        </p:attrNameLst>
+                                      </p:cBhvr>
+                                      <p:to>
+                                        <p:strVal val="hidden"/>
+                                      </p:to>
+                                    </p:set>
+                                  </p:childTnLst>
+                                </p:cTn>
+                              </p:par>
+                            </p:childTnLst>
+                          </p:cTn>
+                        </p:par>
+                        <p:par>
+                          <p:cTn id="34" fill="hold">
+                            <p:stCondLst>
+                              <p:cond delay="500"/>
+                            </p:stCondLst>
+                            <p:childTnLst>
+                              <p:par>
+                                <p:cTn id="35" presetID="10" presetClass="entr" presetSubtype="0" fill="hold" grpId="0" nodeType="afterEffect">
+                                  <p:stCondLst>
+                                    <p:cond delay="0"/>
+                                  </p:stCondLst>
+                                  <p:childTnLst>
+                                    <p:set>
+                                      <p:cBhvr>
+                                        <p:cTn id="36" dur="1" fill="hold">
+                                          <p:stCondLst>
+                                            <p:cond delay="0"/>
+                                          </p:stCondLst>
+                                        </p:cTn>
+                                        <p:tgtEl>
+                                          <p:spTgt spid="11"/>
+                                        </p:tgtEl>
+                                        <p:attrNameLst>
+                                          <p:attrName>style.visibility</p:attrName>
+                                        </p:attrNameLst>
+                                      </p:cBhvr>
+                                      <p:to>
+                                        <p:strVal val="visible"/>
+                                      </p:to>
+                                    </p:set>
+                                    <p:animEffect transition="in" filter="fade">
+                                      <p:cBhvr>
+                                        <p:cTn id="37" dur="500"/>
+                                        <p:tgtEl>
+                                          <p:spTgt spid="11"/>
+                                        </p:tgtEl>
+                                      </p:cBhvr>
+                                    </p:animEffect>
+                                  </p:childTnLst>
+                                </p:cTn>
+                              </p:par>
+                              <p:par>
+                                <p:cTn id="38" presetID="10" presetClass="entr" presetSubtype="0" fill="hold" nodeType="withEffect">
+                                  <p:stCondLst>
+                                    <p:cond delay="0"/>
+                                  </p:stCondLst>
+                                  <p:childTnLst>
+                                    <p:set>
+                                      <p:cBhvr>
+                                        <p:cTn id="39" dur="1" fill="hold">
+                                          <p:stCondLst>
+                                            <p:cond delay="0"/>
+                                          </p:stCondLst>
+                                        </p:cTn>
+                                        <p:tgtEl>
+                                          <p:spTgt spid="7"/>
+                                        </p:tgtEl>
+                                        <p:attrNameLst>
+                                          <p:attrName>style.visibility</p:attrName>
+                                        </p:attrNameLst>
+                                      </p:cBhvr>
+                                      <p:to>
+                                        <p:strVal val="visible"/>
+                                      </p:to>
+                                    </p:set>
+                                    <p:animEffect transition="in" filter="fade">
+                                      <p:cBhvr>
+                                        <p:cTn id="40" dur="500"/>
+                                        <p:tgtEl>
+                                          <p:spTgt spid="7"/>
+                                        </p:tgtEl>
+                                      </p:cBhvr>
+                                    </p:animEffect>
+                                  </p:childTnLst>
+                                </p:cTn>
+                              </p:par>
+                            </p:childTnLst>
+                          </p:cTn>
+                        </p:par>
+                      </p:childTnLst>
+                    </p:cTn>
+                  </p:par>
+                  <p:par>
+                    <p:cTn id="41" fill="hold">
+                      <p:stCondLst>
+                        <p:cond delay="indefinite"/>
+                      </p:stCondLst>
+                      <p:childTnLst>
+                        <p:par>
+                          <p:cTn id="42" fill="hold">
+                            <p:stCondLst>
+                              <p:cond delay="0"/>
+                            </p:stCondLst>
+                            <p:childTnLst>
+                              <p:par>
+                                <p:cTn id="43" presetID="10" presetClass="exit" presetSubtype="0" fill="hold" grpId="1" nodeType="clickEffect">
+                                  <p:stCondLst>
+                                    <p:cond delay="0"/>
+                                  </p:stCondLst>
+                                  <p:childTnLst>
+                                    <p:animEffect transition="out" filter="fade">
+                                      <p:cBhvr>
+                                        <p:cTn id="44" dur="500"/>
+                                        <p:tgtEl>
+                                          <p:spTgt spid="11"/>
+                                        </p:tgtEl>
+                                      </p:cBhvr>
+                                    </p:animEffect>
+                                    <p:set>
+                                      <p:cBhvr>
+                                        <p:cTn id="45" dur="1" fill="hold">
+                                          <p:stCondLst>
+                                            <p:cond delay="499"/>
+                                          </p:stCondLst>
+                                        </p:cTn>
+                                        <p:tgtEl>
+                                          <p:spTgt spid="11"/>
+                                        </p:tgtEl>
+                                        <p:attrNameLst>
+                                          <p:attrName>style.visibility</p:attrName>
+                                        </p:attrNameLst>
+                                      </p:cBhvr>
+                                      <p:to>
+                                        <p:strVal val="hidden"/>
+                                      </p:to>
+                                    </p:set>
+                                  </p:childTnLst>
+                                </p:cTn>
+                              </p:par>
+                              <p:par>
+                                <p:cTn id="46" presetID="10" presetClass="exit" presetSubtype="0" fill="hold" nodeType="withEffect">
+                                  <p:stCondLst>
+                                    <p:cond delay="0"/>
+                                  </p:stCondLst>
+                                  <p:childTnLst>
+                                    <p:animEffect transition="out" filter="fade">
+                                      <p:cBhvr>
+                                        <p:cTn id="47" dur="500"/>
+                                        <p:tgtEl>
+                                          <p:spTgt spid="7"/>
+                                        </p:tgtEl>
+                                      </p:cBhvr>
+                                    </p:animEffect>
+                                    <p:set>
+                                      <p:cBhvr>
+                                        <p:cTn id="48" dur="1" fill="hold">
+                                          <p:stCondLst>
+                                            <p:cond delay="499"/>
+                                          </p:stCondLst>
+                                        </p:cTn>
+                                        <p:tgtEl>
+                                          <p:spTgt spid="7"/>
+                                        </p:tgtEl>
+                                        <p:attrNameLst>
+                                          <p:attrName>style.visibility</p:attrName>
+                                        </p:attrNameLst>
+                                      </p:cBhvr>
+                                      <p:to>
+                                        <p:strVal val="hidden"/>
+                                      </p:to>
+                                    </p:set>
+                                  </p:childTnLst>
+                                </p:cTn>
+                              </p:par>
+                            </p:childTnLst>
+                          </p:cTn>
+                        </p:par>
+                        <p:par>
+                          <p:cTn id="49" fill="hold">
+                            <p:stCondLst>
+                              <p:cond delay="500"/>
+                            </p:stCondLst>
+                            <p:childTnLst>
+                              <p:par>
+                                <p:cTn id="50" presetID="10" presetClass="entr" presetSubtype="0" fill="hold" grpId="0" nodeType="afterEffect">
+                                  <p:stCondLst>
+                                    <p:cond delay="0"/>
+                                  </p:stCondLst>
+                                  <p:childTnLst>
+                                    <p:set>
+                                      <p:cBhvr>
+                                        <p:cTn id="51" dur="1" fill="hold">
+                                          <p:stCondLst>
+                                            <p:cond delay="0"/>
+                                          </p:stCondLst>
+                                        </p:cTn>
+                                        <p:tgtEl>
+                                          <p:spTgt spid="13"/>
+                                        </p:tgtEl>
+                                        <p:attrNameLst>
+                                          <p:attrName>style.visibility</p:attrName>
+                                        </p:attrNameLst>
+                                      </p:cBhvr>
+                                      <p:to>
+                                        <p:strVal val="visible"/>
+                                      </p:to>
+                                    </p:set>
+                                    <p:animEffect transition="in" filter="fade">
+                                      <p:cBhvr>
+                                        <p:cTn id="52" dur="500"/>
+                                        <p:tgtEl>
+                                          <p:spTgt spid="13"/>
+                                        </p:tgtEl>
+                                      </p:cBhvr>
+                                    </p:animEffect>
+                                  </p:childTnLst>
+                                </p:cTn>
+                              </p:par>
+                              <p:par>
+                                <p:cTn id="53" presetID="10" presetClass="entr" presetSubtype="0" fill="hold" nodeType="withEffect">
+                                  <p:stCondLst>
+                                    <p:cond delay="0"/>
+                                  </p:stCondLst>
+                                  <p:childTnLst>
+                                    <p:set>
+                                      <p:cBhvr>
+                                        <p:cTn id="54" dur="1" fill="hold">
+                                          <p:stCondLst>
+                                            <p:cond delay="0"/>
+                                          </p:stCondLst>
+                                        </p:cTn>
+                                        <p:tgtEl>
+                                          <p:spTgt spid="8"/>
+                                        </p:tgtEl>
+                                        <p:attrNameLst>
+                                          <p:attrName>style.visibility</p:attrName>
+                                        </p:attrNameLst>
+                                      </p:cBhvr>
+                                      <p:to>
+                                        <p:strVal val="visible"/>
+                                      </p:to>
+                                    </p:set>
+                                    <p:animEffect transition="in" filter="fade">
+                                      <p:cBhvr>
+                                        <p:cTn id="55" dur="500"/>
+                                        <p:tgtEl>
+                                          <p:spTgt spid="8"/>
+                                        </p:tgtEl>
+                                      </p:cBhvr>
+                                    </p:animEffect>
+                                  </p:childTnLst>
+                                </p:cTn>
+                              </p:par>
+                            </p:childTnLst>
+                          </p:cTn>
+                        </p:par>
+                      </p:childTnLst>
+                    </p:cTn>
+                  </p:par>
+                  <p:par>
+                    <p:cTn id="56" fill="hold">
+                      <p:stCondLst>
+                        <p:cond delay="indefinite"/>
+                      </p:stCondLst>
+                      <p:childTnLst>
+                        <p:par>
+                          <p:cTn id="57" fill="hold">
+                            <p:stCondLst>
+                              <p:cond delay="0"/>
+                            </p:stCondLst>
+                            <p:childTnLst>
+                              <p:par>
+                                <p:cTn id="58" presetID="10" presetClass="exit" presetSubtype="0" fill="hold" grpId="1" nodeType="clickEffect">
+                                  <p:stCondLst>
+                                    <p:cond delay="0"/>
+                                  </p:stCondLst>
+                                  <p:childTnLst>
+                                    <p:animEffect transition="out" filter="fade">
+                                      <p:cBhvr>
+                                        <p:cTn id="59" dur="500"/>
+                                        <p:tgtEl>
+                                          <p:spTgt spid="13"/>
+                                        </p:tgtEl>
+                                      </p:cBhvr>
+                                    </p:animEffect>
+                                    <p:set>
+                                      <p:cBhvr>
+                                        <p:cTn id="60" dur="1" fill="hold">
+                                          <p:stCondLst>
+                                            <p:cond delay="499"/>
+                                          </p:stCondLst>
+                                        </p:cTn>
+                                        <p:tgtEl>
+                                          <p:spTgt spid="13"/>
+                                        </p:tgtEl>
+                                        <p:attrNameLst>
+                                          <p:attrName>style.visibility</p:attrName>
+                                        </p:attrNameLst>
+                                      </p:cBhvr>
+                                      <p:to>
+                                        <p:strVal val="hidden"/>
+                                      </p:to>
+                                    </p:set>
+                                  </p:childTnLst>
+                                </p:cTn>
+                              </p:par>
+                              <p:par>
+                                <p:cTn id="61" presetID="10" presetClass="exit" presetSubtype="0" fill="hold" nodeType="withEffect">
+                                  <p:stCondLst>
+                                    <p:cond delay="0"/>
+                                  </p:stCondLst>
+                                  <p:childTnLst>
+                                    <p:animEffect transition="out" filter="fade">
+                                      <p:cBhvr>
+                                        <p:cTn id="62" dur="500"/>
+                                        <p:tgtEl>
+                                          <p:spTgt spid="8"/>
+                                        </p:tgtEl>
+                                      </p:cBhvr>
+                                    </p:animEffect>
+                                    <p:set>
+                                      <p:cBhvr>
+                                        <p:cTn id="63" dur="1" fill="hold">
+                                          <p:stCondLst>
+                                            <p:cond delay="499"/>
+                                          </p:stCondLst>
+                                        </p:cTn>
+                                        <p:tgtEl>
+                                          <p:spTgt spid="8"/>
+                                        </p:tgtEl>
+                                        <p:attrNameLst>
+                                          <p:attrName>style.visibility</p:attrName>
+                                        </p:attrNameLst>
+                                      </p:cBhvr>
+                                      <p:to>
+                                        <p:strVal val="hidden"/>
+                                      </p:to>
+                                    </p:set>
+                                  </p:childTnLst>
+                                </p:cTn>
+                              </p:par>
+                            </p:childTnLst>
+                          </p:cTn>
+                        </p:par>
+                        <p:par>
+                          <p:cTn id="64" fill="hold">
+                            <p:stCondLst>
+                              <p:cond delay="500"/>
+                            </p:stCondLst>
+                            <p:childTnLst>
+                              <p:par>
+                                <p:cTn id="65" presetID="10" presetClass="entr" presetSubtype="0" fill="hold" nodeType="afterEffect">
+                                  <p:stCondLst>
+                                    <p:cond delay="0"/>
+                                  </p:stCondLst>
+                                  <p:childTnLst>
+                                    <p:set>
+                                      <p:cBhvr>
+                                        <p:cTn id="66" dur="1" fill="hold">
+                                          <p:stCondLst>
+                                            <p:cond delay="0"/>
+                                          </p:stCondLst>
+                                        </p:cTn>
+                                        <p:tgtEl>
+                                          <p:spTgt spid="9"/>
+                                        </p:tgtEl>
+                                        <p:attrNameLst>
+                                          <p:attrName>style.visibility</p:attrName>
+                                        </p:attrNameLst>
+                                      </p:cBhvr>
+                                      <p:to>
+                                        <p:strVal val="visible"/>
+                                      </p:to>
+                                    </p:set>
+                                    <p:animEffect transition="in" filter="fade">
+                                      <p:cBhvr>
+                                        <p:cTn id="67" dur="500"/>
+                                        <p:tgtEl>
+                                          <p:spTgt spid="9"/>
+                                        </p:tgtEl>
+                                      </p:cBhvr>
+                                    </p:animEffect>
+                                  </p:childTnLst>
+                                </p:cTn>
+                              </p:par>
+                            </p:childTnLst>
+                          </p:cTn>
+                        </p:par>
+                      </p:childTnLst>
+                    </p:cTn>
+                  </p:par>
+                </p:childTnLst>
+              </p:cTn>
+              <p:prevCondLst>
+                <p:cond evt="onPrev" delay="0">
+                  <p:tgtEl>
+                    <p:sldTgt/>
+                  </p:tgtEl>
+                </p:cond>
+              </p:prevCondLst>
+              <p:nextCondLst>
+                <p:cond evt="onNext" delay="0">
+                  <p:tgtEl>
+                    <p:sldTgt/>
+                  </p:tgtEl>
+                </p:cond>
+              </p:nextCondLst>
+            </p:seq>
+          </p:childTnLst>
+        </p:cTn>
+      </p:par>
+    </p:tnLst>
+    <p:bldLst>
+      <p:bldP spid="10" grpId="0" animBg="1"/>
+      <p:bldP spid="10" grpId="1" animBg="1"/>
+      <p:bldP spid="11" grpId="0" animBg="1"/>
+      <p:bldP spid="11" grpId="1" animBg="1"/>
+      <p:bldP spid="12" grpId="0" animBg="1"/>
+      <p:bldP spid="12" grpId="1" animBg="1"/>
+      <p:bldP spid="13" grpId="0" animBg="1"/>
+      <p:bldP spid="13" grpId="1" animBg="1"/>
+    </p:bldLst>
+  </p:timing>
 </p:sld>
 </file>
 
@@ -4496,7 +6107,15 @@
           <a:bodyPr/>
           <a:lstStyle/>
           <a:p>
-            <a:endParaRPr lang="en-US"/>
+            <a:r>
+              <a:rPr lang="en-US" dirty="0"/>
+              <a:t>/views/main/</a:t>
+            </a:r>
+            <a:r>
+              <a:rPr lang="en-US" dirty="0" err="1"/>
+              <a:t>test.ejs</a:t>
+            </a:r>
+            <a:endParaRPr lang="en-US" dirty="0"/>
           </a:p>
         </p:txBody>
       </p:sp>
@@ -4540,6 +6159,205 @@
           <a:lstStyle/>
           <a:p>
             <a:pPr algn="ctr"/>
+            <a:endParaRPr lang="en-US" sz="2400" dirty="0">
+              <a:solidFill>
+                <a:schemeClr val="bg1">
+                  <a:lumMod val="50000"/>
+                </a:schemeClr>
+              </a:solidFill>
+            </a:endParaRPr>
+          </a:p>
+        </p:txBody>
+      </p:sp>
+      <p:pic>
+        <p:nvPicPr>
+          <p:cNvPr id="3" name="Picture 2">
+            <a:extLst>
+              <a:ext uri="{FF2B5EF4-FFF2-40B4-BE49-F238E27FC236}">
+                <a16:creationId xmlns:a16="http://schemas.microsoft.com/office/drawing/2014/main" id="{899785C9-19FC-4760-8FE6-F478C7EB6861}"/>
+              </a:ext>
+            </a:extLst>
+          </p:cNvPr>
+          <p:cNvPicPr>
+            <a:picLocks noChangeAspect="1"/>
+          </p:cNvPicPr>
+          <p:nvPr/>
+        </p:nvPicPr>
+        <p:blipFill rotWithShape="1">
+          <a:blip r:embed="rId2"/>
+          <a:srcRect t="55726"/>
+          <a:stretch/>
+        </p:blipFill>
+        <p:spPr>
+          <a:xfrm>
+            <a:off x="426072" y="1219200"/>
+            <a:ext cx="8291856" cy="1472945"/>
+          </a:xfrm>
+          <a:prstGeom prst="rect">
+            <a:avLst/>
+          </a:prstGeom>
+        </p:spPr>
+      </p:pic>
+      <p:pic>
+        <p:nvPicPr>
+          <p:cNvPr id="9" name="Picture 8">
+            <a:extLst>
+              <a:ext uri="{FF2B5EF4-FFF2-40B4-BE49-F238E27FC236}">
+                <a16:creationId xmlns:a16="http://schemas.microsoft.com/office/drawing/2014/main" id="{5B94A1C1-2B93-43D5-8411-EA82E0BB7F3A}"/>
+              </a:ext>
+            </a:extLst>
+          </p:cNvPr>
+          <p:cNvPicPr>
+            <a:picLocks noChangeAspect="1"/>
+          </p:cNvPicPr>
+          <p:nvPr/>
+        </p:nvPicPr>
+        <p:blipFill>
+          <a:blip r:embed="rId3"/>
+          <a:stretch>
+            <a:fillRect/>
+          </a:stretch>
+        </p:blipFill>
+        <p:spPr>
+          <a:xfrm>
+            <a:off x="426072" y="2971800"/>
+            <a:ext cx="3476625" cy="714375"/>
+          </a:xfrm>
+          <a:prstGeom prst="rect">
+            <a:avLst/>
+          </a:prstGeom>
+        </p:spPr>
+      </p:pic>
+      <p:pic>
+        <p:nvPicPr>
+          <p:cNvPr id="10" name="Picture 9">
+            <a:extLst>
+              <a:ext uri="{FF2B5EF4-FFF2-40B4-BE49-F238E27FC236}">
+                <a16:creationId xmlns:a16="http://schemas.microsoft.com/office/drawing/2014/main" id="{76E03E1A-779F-4808-8F70-CEBD06C5E47E}"/>
+              </a:ext>
+            </a:extLst>
+          </p:cNvPr>
+          <p:cNvPicPr>
+            <a:picLocks noChangeAspect="1"/>
+          </p:cNvPicPr>
+          <p:nvPr/>
+        </p:nvPicPr>
+        <p:blipFill>
+          <a:blip r:embed="rId4"/>
+          <a:stretch>
+            <a:fillRect/>
+          </a:stretch>
+        </p:blipFill>
+        <p:spPr>
+          <a:xfrm>
+            <a:off x="4107828" y="3848100"/>
+            <a:ext cx="4610100" cy="2524125"/>
+          </a:xfrm>
+          <a:prstGeom prst="rect">
+            <a:avLst/>
+          </a:prstGeom>
+        </p:spPr>
+      </p:pic>
+      <p:sp>
+        <p:nvSpPr>
+          <p:cNvPr id="11" name="Rectangle 10">
+            <a:extLst>
+              <a:ext uri="{FF2B5EF4-FFF2-40B4-BE49-F238E27FC236}">
+                <a16:creationId xmlns:a16="http://schemas.microsoft.com/office/drawing/2014/main" id="{8BD83E99-362F-438D-AF4B-868C958D9493}"/>
+              </a:ext>
+            </a:extLst>
+          </p:cNvPr>
+          <p:cNvSpPr/>
+          <p:nvPr/>
+        </p:nvSpPr>
+        <p:spPr>
+          <a:xfrm>
+            <a:off x="609600" y="1447800"/>
+            <a:ext cx="3788263" cy="304800"/>
+          </a:xfrm>
+          <a:prstGeom prst="rect">
+            <a:avLst/>
+          </a:prstGeom>
+          <a:noFill/>
+          <a:ln>
+            <a:solidFill>
+              <a:srgbClr val="FF0000"/>
+            </a:solidFill>
+          </a:ln>
+        </p:spPr>
+        <p:style>
+          <a:lnRef idx="2">
+            <a:schemeClr val="accent1">
+              <a:shade val="50000"/>
+            </a:schemeClr>
+          </a:lnRef>
+          <a:fillRef idx="1">
+            <a:schemeClr val="accent1"/>
+          </a:fillRef>
+          <a:effectRef idx="0">
+            <a:schemeClr val="accent1"/>
+          </a:effectRef>
+          <a:fontRef idx="minor">
+            <a:schemeClr val="lt1"/>
+          </a:fontRef>
+        </p:style>
+        <p:txBody>
+          <a:bodyPr rtlCol="0" anchor="ctr"/>
+          <a:lstStyle/>
+          <a:p>
+            <a:pPr algn="ctr"/>
+            <a:endParaRPr lang="en-US"/>
+          </a:p>
+        </p:txBody>
+      </p:sp>
+      <p:sp>
+        <p:nvSpPr>
+          <p:cNvPr id="12" name="Rectangle 11">
+            <a:extLst>
+              <a:ext uri="{FF2B5EF4-FFF2-40B4-BE49-F238E27FC236}">
+                <a16:creationId xmlns:a16="http://schemas.microsoft.com/office/drawing/2014/main" id="{3722F23A-B7DF-4495-80BC-BBCB3082A346}"/>
+              </a:ext>
+            </a:extLst>
+          </p:cNvPr>
+          <p:cNvSpPr/>
+          <p:nvPr/>
+        </p:nvSpPr>
+        <p:spPr>
+          <a:xfrm>
+            <a:off x="609599" y="1917122"/>
+            <a:ext cx="7848601" cy="304800"/>
+          </a:xfrm>
+          <a:prstGeom prst="rect">
+            <a:avLst/>
+          </a:prstGeom>
+          <a:noFill/>
+          <a:ln>
+            <a:solidFill>
+              <a:srgbClr val="FF0000"/>
+            </a:solidFill>
+          </a:ln>
+        </p:spPr>
+        <p:style>
+          <a:lnRef idx="2">
+            <a:schemeClr val="accent1">
+              <a:shade val="50000"/>
+            </a:schemeClr>
+          </a:lnRef>
+          <a:fillRef idx="1">
+            <a:schemeClr val="accent1"/>
+          </a:fillRef>
+          <a:effectRef idx="0">
+            <a:schemeClr val="accent1"/>
+          </a:effectRef>
+          <a:fontRef idx="minor">
+            <a:schemeClr val="lt1"/>
+          </a:fontRef>
+        </p:style>
+        <p:txBody>
+          <a:bodyPr rtlCol="0" anchor="ctr"/>
+          <a:lstStyle/>
+          <a:p>
+            <a:pPr algn="ctr"/>
             <a:endParaRPr lang="en-US"/>
           </a:p>
         </p:txBody>
@@ -4547,13 +6365,303 @@
     </p:spTree>
     <p:extLst>
       <p:ext uri="{BB962C8B-B14F-4D97-AF65-F5344CB8AC3E}">
-        <p14:creationId xmlns:p14="http://schemas.microsoft.com/office/powerpoint/2010/main" val="1782479808"/>
+        <p14:creationId xmlns:p14="http://schemas.microsoft.com/office/powerpoint/2010/main" val="2435281376"/>
       </p:ext>
     </p:extLst>
   </p:cSld>
   <p:clrMapOvr>
     <a:masterClrMapping/>
   </p:clrMapOvr>
+  <p:timing>
+    <p:tnLst>
+      <p:par>
+        <p:cTn id="1" dur="indefinite" restart="never" nodeType="tmRoot">
+          <p:childTnLst>
+            <p:seq concurrent="1" nextAc="seek">
+              <p:cTn id="2" dur="indefinite" nodeType="mainSeq">
+                <p:childTnLst>
+                  <p:par>
+                    <p:cTn id="3" fill="hold">
+                      <p:stCondLst>
+                        <p:cond delay="indefinite"/>
+                      </p:stCondLst>
+                      <p:childTnLst>
+                        <p:par>
+                          <p:cTn id="4" fill="hold">
+                            <p:stCondLst>
+                              <p:cond delay="0"/>
+                            </p:stCondLst>
+                            <p:childTnLst>
+                              <p:par>
+                                <p:cTn id="5" presetID="10" presetClass="entr" presetSubtype="0" fill="hold" grpId="0" nodeType="clickEffect">
+                                  <p:stCondLst>
+                                    <p:cond delay="0"/>
+                                  </p:stCondLst>
+                                  <p:childTnLst>
+                                    <p:set>
+                                      <p:cBhvr>
+                                        <p:cTn id="6" dur="1" fill="hold">
+                                          <p:stCondLst>
+                                            <p:cond delay="0"/>
+                                          </p:stCondLst>
+                                        </p:cTn>
+                                        <p:tgtEl>
+                                          <p:spTgt spid="11"/>
+                                        </p:tgtEl>
+                                        <p:attrNameLst>
+                                          <p:attrName>style.visibility</p:attrName>
+                                        </p:attrNameLst>
+                                      </p:cBhvr>
+                                      <p:to>
+                                        <p:strVal val="visible"/>
+                                      </p:to>
+                                    </p:set>
+                                    <p:animEffect transition="in" filter="fade">
+                                      <p:cBhvr>
+                                        <p:cTn id="7" dur="500"/>
+                                        <p:tgtEl>
+                                          <p:spTgt spid="11"/>
+                                        </p:tgtEl>
+                                      </p:cBhvr>
+                                    </p:animEffect>
+                                  </p:childTnLst>
+                                </p:cTn>
+                              </p:par>
+                              <p:par>
+                                <p:cTn id="8" presetID="10" presetClass="entr" presetSubtype="0" fill="hold" nodeType="withEffect">
+                                  <p:stCondLst>
+                                    <p:cond delay="0"/>
+                                  </p:stCondLst>
+                                  <p:childTnLst>
+                                    <p:set>
+                                      <p:cBhvr>
+                                        <p:cTn id="9" dur="1" fill="hold">
+                                          <p:stCondLst>
+                                            <p:cond delay="0"/>
+                                          </p:stCondLst>
+                                        </p:cTn>
+                                        <p:tgtEl>
+                                          <p:spTgt spid="9"/>
+                                        </p:tgtEl>
+                                        <p:attrNameLst>
+                                          <p:attrName>style.visibility</p:attrName>
+                                        </p:attrNameLst>
+                                      </p:cBhvr>
+                                      <p:to>
+                                        <p:strVal val="visible"/>
+                                      </p:to>
+                                    </p:set>
+                                    <p:animEffect transition="in" filter="fade">
+                                      <p:cBhvr>
+                                        <p:cTn id="10" dur="500"/>
+                                        <p:tgtEl>
+                                          <p:spTgt spid="9"/>
+                                        </p:tgtEl>
+                                      </p:cBhvr>
+                                    </p:animEffect>
+                                  </p:childTnLst>
+                                </p:cTn>
+                              </p:par>
+                            </p:childTnLst>
+                          </p:cTn>
+                        </p:par>
+                      </p:childTnLst>
+                    </p:cTn>
+                  </p:par>
+                  <p:par>
+                    <p:cTn id="11" fill="hold">
+                      <p:stCondLst>
+                        <p:cond delay="indefinite"/>
+                      </p:stCondLst>
+                      <p:childTnLst>
+                        <p:par>
+                          <p:cTn id="12" fill="hold">
+                            <p:stCondLst>
+                              <p:cond delay="0"/>
+                            </p:stCondLst>
+                            <p:childTnLst>
+                              <p:par>
+                                <p:cTn id="13" presetID="10" presetClass="exit" presetSubtype="0" fill="hold" grpId="1" nodeType="clickEffect">
+                                  <p:stCondLst>
+                                    <p:cond delay="0"/>
+                                  </p:stCondLst>
+                                  <p:childTnLst>
+                                    <p:animEffect transition="out" filter="fade">
+                                      <p:cBhvr>
+                                        <p:cTn id="14" dur="500"/>
+                                        <p:tgtEl>
+                                          <p:spTgt spid="11"/>
+                                        </p:tgtEl>
+                                      </p:cBhvr>
+                                    </p:animEffect>
+                                    <p:set>
+                                      <p:cBhvr>
+                                        <p:cTn id="15" dur="1" fill="hold">
+                                          <p:stCondLst>
+                                            <p:cond delay="499"/>
+                                          </p:stCondLst>
+                                        </p:cTn>
+                                        <p:tgtEl>
+                                          <p:spTgt spid="11"/>
+                                        </p:tgtEl>
+                                        <p:attrNameLst>
+                                          <p:attrName>style.visibility</p:attrName>
+                                        </p:attrNameLst>
+                                      </p:cBhvr>
+                                      <p:to>
+                                        <p:strVal val="hidden"/>
+                                      </p:to>
+                                    </p:set>
+                                  </p:childTnLst>
+                                </p:cTn>
+                              </p:par>
+                              <p:par>
+                                <p:cTn id="16" presetID="10" presetClass="exit" presetSubtype="0" fill="hold" nodeType="withEffect">
+                                  <p:stCondLst>
+                                    <p:cond delay="0"/>
+                                  </p:stCondLst>
+                                  <p:childTnLst>
+                                    <p:animEffect transition="out" filter="fade">
+                                      <p:cBhvr>
+                                        <p:cTn id="17" dur="500"/>
+                                        <p:tgtEl>
+                                          <p:spTgt spid="9"/>
+                                        </p:tgtEl>
+                                      </p:cBhvr>
+                                    </p:animEffect>
+                                    <p:set>
+                                      <p:cBhvr>
+                                        <p:cTn id="18" dur="1" fill="hold">
+                                          <p:stCondLst>
+                                            <p:cond delay="499"/>
+                                          </p:stCondLst>
+                                        </p:cTn>
+                                        <p:tgtEl>
+                                          <p:spTgt spid="9"/>
+                                        </p:tgtEl>
+                                        <p:attrNameLst>
+                                          <p:attrName>style.visibility</p:attrName>
+                                        </p:attrNameLst>
+                                      </p:cBhvr>
+                                      <p:to>
+                                        <p:strVal val="hidden"/>
+                                      </p:to>
+                                    </p:set>
+                                  </p:childTnLst>
+                                </p:cTn>
+                              </p:par>
+                            </p:childTnLst>
+                          </p:cTn>
+                        </p:par>
+                        <p:par>
+                          <p:cTn id="19" fill="hold">
+                            <p:stCondLst>
+                              <p:cond delay="500"/>
+                            </p:stCondLst>
+                            <p:childTnLst>
+                              <p:par>
+                                <p:cTn id="20" presetID="10" presetClass="entr" presetSubtype="0" fill="hold" grpId="0" nodeType="afterEffect">
+                                  <p:stCondLst>
+                                    <p:cond delay="0"/>
+                                  </p:stCondLst>
+                                  <p:childTnLst>
+                                    <p:set>
+                                      <p:cBhvr>
+                                        <p:cTn id="21" dur="1" fill="hold">
+                                          <p:stCondLst>
+                                            <p:cond delay="0"/>
+                                          </p:stCondLst>
+                                        </p:cTn>
+                                        <p:tgtEl>
+                                          <p:spTgt spid="12"/>
+                                        </p:tgtEl>
+                                        <p:attrNameLst>
+                                          <p:attrName>style.visibility</p:attrName>
+                                        </p:attrNameLst>
+                                      </p:cBhvr>
+                                      <p:to>
+                                        <p:strVal val="visible"/>
+                                      </p:to>
+                                    </p:set>
+                                    <p:animEffect transition="in" filter="fade">
+                                      <p:cBhvr>
+                                        <p:cTn id="22" dur="500"/>
+                                        <p:tgtEl>
+                                          <p:spTgt spid="12"/>
+                                        </p:tgtEl>
+                                      </p:cBhvr>
+                                    </p:animEffect>
+                                  </p:childTnLst>
+                                </p:cTn>
+                              </p:par>
+                              <p:par>
+                                <p:cTn id="23" presetID="10" presetClass="entr" presetSubtype="0" fill="hold" nodeType="withEffect">
+                                  <p:stCondLst>
+                                    <p:cond delay="0"/>
+                                  </p:stCondLst>
+                                  <p:childTnLst>
+                                    <p:set>
+                                      <p:cBhvr>
+                                        <p:cTn id="24" dur="1" fill="hold">
+                                          <p:stCondLst>
+                                            <p:cond delay="0"/>
+                                          </p:stCondLst>
+                                        </p:cTn>
+                                        <p:tgtEl>
+                                          <p:spTgt spid="10"/>
+                                        </p:tgtEl>
+                                        <p:attrNameLst>
+                                          <p:attrName>style.visibility</p:attrName>
+                                        </p:attrNameLst>
+                                      </p:cBhvr>
+                                      <p:to>
+                                        <p:strVal val="visible"/>
+                                      </p:to>
+                                    </p:set>
+                                    <p:animEffect transition="in" filter="fade">
+                                      <p:cBhvr>
+                                        <p:cTn id="25" dur="500"/>
+                                        <p:tgtEl>
+                                          <p:spTgt spid="10"/>
+                                        </p:tgtEl>
+                                      </p:cBhvr>
+                                    </p:animEffect>
+                                  </p:childTnLst>
+                                </p:cTn>
+                              </p:par>
+                            </p:childTnLst>
+                          </p:cTn>
+                        </p:par>
+                      </p:childTnLst>
+                    </p:cTn>
+                  </p:par>
+                </p:childTnLst>
+              </p:cTn>
+              <p:prevCondLst>
+                <p:cond evt="onPrev" delay="0">
+                  <p:tgtEl>
+                    <p:sldTgt/>
+                  </p:tgtEl>
+                </p:cond>
+              </p:prevCondLst>
+              <p:nextCondLst>
+                <p:cond evt="onNext" delay="0">
+                  <p:tgtEl>
+                    <p:sldTgt/>
+                  </p:tgtEl>
+                </p:cond>
+              </p:nextCondLst>
+            </p:seq>
+          </p:childTnLst>
+        </p:cTn>
+      </p:par>
+    </p:tnLst>
+    <p:bldLst>
+      <p:bldP spid="11" grpId="0" animBg="1"/>
+      <p:bldP spid="11" grpId="1" animBg="1"/>
+      <p:bldP spid="12" grpId="0" animBg="1"/>
+    </p:bldLst>
+  </p:timing>
 </p:sld>
 </file>
 
@@ -4595,7 +6703,18 @@
           <a:bodyPr/>
           <a:lstStyle/>
           <a:p>
-            <a:endParaRPr lang="en-US"/>
+            <a:r>
+              <a:rPr lang="en-US" dirty="0"/>
+              <a:t>/public/</a:t>
+            </a:r>
+            <a:r>
+              <a:rPr lang="en-US" dirty="0" err="1"/>
+              <a:t>javascripts</a:t>
+            </a:r>
+            <a:r>
+              <a:rPr lang="en-US" dirty="0"/>
+              <a:t>/main/test.js</a:t>
+            </a:r>
           </a:p>
         </p:txBody>
       </p:sp>
@@ -4639,123 +6758,1413 @@
           <a:lstStyle/>
           <a:p>
             <a:pPr algn="ctr"/>
-            <a:endParaRPr lang="en-US"/>
+            <a:endParaRPr lang="en-US" sz="2400" dirty="0">
+              <a:solidFill>
+                <a:schemeClr val="bg1">
+                  <a:lumMod val="50000"/>
+                </a:schemeClr>
+              </a:solidFill>
+            </a:endParaRPr>
           </a:p>
         </p:txBody>
       </p:sp>
+      <p:pic>
+        <p:nvPicPr>
+          <p:cNvPr id="3" name="Picture 2">
+            <a:extLst>
+              <a:ext uri="{FF2B5EF4-FFF2-40B4-BE49-F238E27FC236}">
+                <a16:creationId xmlns:a16="http://schemas.microsoft.com/office/drawing/2014/main" id="{CCE991E3-C47F-4657-B867-BEB65A984550}"/>
+              </a:ext>
+            </a:extLst>
+          </p:cNvPr>
+          <p:cNvPicPr>
+            <a:picLocks noChangeAspect="1"/>
+          </p:cNvPicPr>
+          <p:nvPr/>
+        </p:nvPicPr>
+        <p:blipFill>
+          <a:blip r:embed="rId2"/>
+          <a:stretch>
+            <a:fillRect/>
+          </a:stretch>
+        </p:blipFill>
+        <p:spPr>
+          <a:xfrm>
+            <a:off x="808199" y="1524000"/>
+            <a:ext cx="7527602" cy="4741069"/>
+          </a:xfrm>
+          <a:prstGeom prst="rect">
+            <a:avLst/>
+          </a:prstGeom>
+        </p:spPr>
+      </p:pic>
+      <p:pic>
+        <p:nvPicPr>
+          <p:cNvPr id="5" name="Picture 4">
+            <a:extLst>
+              <a:ext uri="{FF2B5EF4-FFF2-40B4-BE49-F238E27FC236}">
+                <a16:creationId xmlns:a16="http://schemas.microsoft.com/office/drawing/2014/main" id="{E404D75B-7CCC-449B-9455-21EF031C0086}"/>
+              </a:ext>
+            </a:extLst>
+          </p:cNvPr>
+          <p:cNvPicPr>
+            <a:picLocks noChangeAspect="1"/>
+          </p:cNvPicPr>
+          <p:nvPr/>
+        </p:nvPicPr>
+        <p:blipFill>
+          <a:blip r:embed="rId3"/>
+          <a:stretch>
+            <a:fillRect/>
+          </a:stretch>
+        </p:blipFill>
+        <p:spPr>
+          <a:xfrm>
+            <a:off x="808199" y="1524000"/>
+            <a:ext cx="5745001" cy="5001530"/>
+          </a:xfrm>
+          <a:prstGeom prst="rect">
+            <a:avLst/>
+          </a:prstGeom>
+        </p:spPr>
+      </p:pic>
+      <p:pic>
+        <p:nvPicPr>
+          <p:cNvPr id="7" name="Picture 6">
+            <a:extLst>
+              <a:ext uri="{FF2B5EF4-FFF2-40B4-BE49-F238E27FC236}">
+                <a16:creationId xmlns:a16="http://schemas.microsoft.com/office/drawing/2014/main" id="{F927D664-0E1E-4ECB-B7BE-90DA8F42DCCE}"/>
+              </a:ext>
+            </a:extLst>
+          </p:cNvPr>
+          <p:cNvPicPr>
+            <a:picLocks noChangeAspect="1"/>
+          </p:cNvPicPr>
+          <p:nvPr/>
+        </p:nvPicPr>
+        <p:blipFill>
+          <a:blip r:embed="rId4"/>
+          <a:stretch>
+            <a:fillRect/>
+          </a:stretch>
+        </p:blipFill>
+        <p:spPr>
+          <a:xfrm>
+            <a:off x="371475" y="1237059"/>
+            <a:ext cx="8401050" cy="5314950"/>
+          </a:xfrm>
+          <a:prstGeom prst="rect">
+            <a:avLst/>
+          </a:prstGeom>
+        </p:spPr>
+      </p:pic>
+      <p:pic>
+        <p:nvPicPr>
+          <p:cNvPr id="8" name="Picture 7">
+            <a:extLst>
+              <a:ext uri="{FF2B5EF4-FFF2-40B4-BE49-F238E27FC236}">
+                <a16:creationId xmlns:a16="http://schemas.microsoft.com/office/drawing/2014/main" id="{79562421-598B-4906-80EC-9CA379B30ADD}"/>
+              </a:ext>
+            </a:extLst>
+          </p:cNvPr>
+          <p:cNvPicPr>
+            <a:picLocks noChangeAspect="1"/>
+          </p:cNvPicPr>
+          <p:nvPr/>
+        </p:nvPicPr>
+        <p:blipFill>
+          <a:blip r:embed="rId5"/>
+          <a:stretch>
+            <a:fillRect/>
+          </a:stretch>
+        </p:blipFill>
+        <p:spPr>
+          <a:xfrm>
+            <a:off x="371475" y="1075134"/>
+            <a:ext cx="8401050" cy="5538331"/>
+          </a:xfrm>
+          <a:prstGeom prst="rect">
+            <a:avLst/>
+          </a:prstGeom>
+        </p:spPr>
+      </p:pic>
+      <p:pic>
+        <p:nvPicPr>
+          <p:cNvPr id="9" name="Picture 8">
+            <a:extLst>
+              <a:ext uri="{FF2B5EF4-FFF2-40B4-BE49-F238E27FC236}">
+                <a16:creationId xmlns:a16="http://schemas.microsoft.com/office/drawing/2014/main" id="{44EB229E-0D5A-4746-8533-2819152D6C0D}"/>
+              </a:ext>
+            </a:extLst>
+          </p:cNvPr>
+          <p:cNvPicPr>
+            <a:picLocks noChangeAspect="1"/>
+          </p:cNvPicPr>
+          <p:nvPr/>
+        </p:nvPicPr>
+        <p:blipFill>
+          <a:blip r:embed="rId6"/>
+          <a:stretch>
+            <a:fillRect/>
+          </a:stretch>
+        </p:blipFill>
+        <p:spPr>
+          <a:xfrm>
+            <a:off x="784347" y="2865834"/>
+            <a:ext cx="8097715" cy="2057400"/>
+          </a:xfrm>
+          <a:prstGeom prst="rect">
+            <a:avLst/>
+          </a:prstGeom>
+        </p:spPr>
+      </p:pic>
+      <p:pic>
+        <p:nvPicPr>
+          <p:cNvPr id="10" name="Picture 9">
+            <a:extLst>
+              <a:ext uri="{FF2B5EF4-FFF2-40B4-BE49-F238E27FC236}">
+                <a16:creationId xmlns:a16="http://schemas.microsoft.com/office/drawing/2014/main" id="{42465E05-A502-4F26-8C78-4D28F5EC13AB}"/>
+              </a:ext>
+            </a:extLst>
+          </p:cNvPr>
+          <p:cNvPicPr>
+            <a:picLocks noChangeAspect="1"/>
+          </p:cNvPicPr>
+          <p:nvPr/>
+        </p:nvPicPr>
+        <p:blipFill>
+          <a:blip r:embed="rId7"/>
+          <a:stretch>
+            <a:fillRect/>
+          </a:stretch>
+        </p:blipFill>
+        <p:spPr>
+          <a:xfrm>
+            <a:off x="1810940" y="1075134"/>
+            <a:ext cx="5522119" cy="5412335"/>
+          </a:xfrm>
+          <a:prstGeom prst="rect">
+            <a:avLst/>
+          </a:prstGeom>
+        </p:spPr>
+      </p:pic>
+      <p:pic>
+        <p:nvPicPr>
+          <p:cNvPr id="11" name="Picture 10">
+            <a:extLst>
+              <a:ext uri="{FF2B5EF4-FFF2-40B4-BE49-F238E27FC236}">
+                <a16:creationId xmlns:a16="http://schemas.microsoft.com/office/drawing/2014/main" id="{2BEF80C6-6EE0-45E3-A6EE-CCD73D4C2B69}"/>
+              </a:ext>
+            </a:extLst>
+          </p:cNvPr>
+          <p:cNvPicPr>
+            <a:picLocks noChangeAspect="1"/>
+          </p:cNvPicPr>
+          <p:nvPr/>
+        </p:nvPicPr>
+        <p:blipFill>
+          <a:blip r:embed="rId8"/>
+          <a:stretch>
+            <a:fillRect/>
+          </a:stretch>
+        </p:blipFill>
+        <p:spPr>
+          <a:xfrm>
+            <a:off x="1897893" y="1132224"/>
+            <a:ext cx="4884229" cy="5355245"/>
+          </a:xfrm>
+          <a:prstGeom prst="rect">
+            <a:avLst/>
+          </a:prstGeom>
+        </p:spPr>
+      </p:pic>
+      <p:pic>
+        <p:nvPicPr>
+          <p:cNvPr id="12" name="Picture 11">
+            <a:extLst>
+              <a:ext uri="{FF2B5EF4-FFF2-40B4-BE49-F238E27FC236}">
+                <a16:creationId xmlns:a16="http://schemas.microsoft.com/office/drawing/2014/main" id="{EBC89440-F3DA-4F79-9A46-467A8441240D}"/>
+              </a:ext>
+            </a:extLst>
+          </p:cNvPr>
+          <p:cNvPicPr>
+            <a:picLocks noChangeAspect="1"/>
+          </p:cNvPicPr>
+          <p:nvPr/>
+        </p:nvPicPr>
+        <p:blipFill>
+          <a:blip r:embed="rId9"/>
+          <a:stretch>
+            <a:fillRect/>
+          </a:stretch>
+        </p:blipFill>
+        <p:spPr>
+          <a:xfrm>
+            <a:off x="989427" y="2069946"/>
+            <a:ext cx="7357526" cy="3276754"/>
+          </a:xfrm>
+          <a:prstGeom prst="rect">
+            <a:avLst/>
+          </a:prstGeom>
+        </p:spPr>
+      </p:pic>
+      <p:pic>
+        <p:nvPicPr>
+          <p:cNvPr id="13" name="Picture 12">
+            <a:extLst>
+              <a:ext uri="{FF2B5EF4-FFF2-40B4-BE49-F238E27FC236}">
+                <a16:creationId xmlns:a16="http://schemas.microsoft.com/office/drawing/2014/main" id="{7D014AB9-0E92-4127-957E-1BD8F45C9563}"/>
+              </a:ext>
+            </a:extLst>
+          </p:cNvPr>
+          <p:cNvPicPr>
+            <a:picLocks noChangeAspect="1"/>
+          </p:cNvPicPr>
+          <p:nvPr/>
+        </p:nvPicPr>
+        <p:blipFill>
+          <a:blip r:embed="rId10"/>
+          <a:stretch>
+            <a:fillRect/>
+          </a:stretch>
+        </p:blipFill>
+        <p:spPr>
+          <a:xfrm>
+            <a:off x="1033462" y="1876991"/>
+            <a:ext cx="7701659" cy="4066609"/>
+          </a:xfrm>
+          <a:prstGeom prst="rect">
+            <a:avLst/>
+          </a:prstGeom>
+        </p:spPr>
+      </p:pic>
+      <p:pic>
+        <p:nvPicPr>
+          <p:cNvPr id="14" name="Picture 13">
+            <a:extLst>
+              <a:ext uri="{FF2B5EF4-FFF2-40B4-BE49-F238E27FC236}">
+                <a16:creationId xmlns:a16="http://schemas.microsoft.com/office/drawing/2014/main" id="{4629A423-BE75-4418-B2EB-B4B18A3D87E5}"/>
+              </a:ext>
+            </a:extLst>
+          </p:cNvPr>
+          <p:cNvPicPr>
+            <a:picLocks noChangeAspect="1"/>
+          </p:cNvPicPr>
+          <p:nvPr/>
+        </p:nvPicPr>
+        <p:blipFill>
+          <a:blip r:embed="rId11"/>
+          <a:stretch>
+            <a:fillRect/>
+          </a:stretch>
+        </p:blipFill>
+        <p:spPr>
+          <a:xfrm>
+            <a:off x="1714102" y="1080652"/>
+            <a:ext cx="5491351" cy="5491351"/>
+          </a:xfrm>
+          <a:prstGeom prst="rect">
+            <a:avLst/>
+          </a:prstGeom>
+        </p:spPr>
+      </p:pic>
+      <p:pic>
+        <p:nvPicPr>
+          <p:cNvPr id="15" name="Picture 14">
+            <a:extLst>
+              <a:ext uri="{FF2B5EF4-FFF2-40B4-BE49-F238E27FC236}">
+                <a16:creationId xmlns:a16="http://schemas.microsoft.com/office/drawing/2014/main" id="{C01CA5CD-7A0D-4C1E-AAA5-E95F82D4A684}"/>
+              </a:ext>
+            </a:extLst>
+          </p:cNvPr>
+          <p:cNvPicPr>
+            <a:picLocks noChangeAspect="1"/>
+          </p:cNvPicPr>
+          <p:nvPr/>
+        </p:nvPicPr>
+        <p:blipFill>
+          <a:blip r:embed="rId12"/>
+          <a:stretch>
+            <a:fillRect/>
+          </a:stretch>
+        </p:blipFill>
+        <p:spPr>
+          <a:xfrm>
+            <a:off x="1747125" y="1216818"/>
+            <a:ext cx="5034997" cy="5303133"/>
+          </a:xfrm>
+          <a:prstGeom prst="rect">
+            <a:avLst/>
+          </a:prstGeom>
+        </p:spPr>
+      </p:pic>
     </p:spTree>
     <p:extLst>
       <p:ext uri="{BB962C8B-B14F-4D97-AF65-F5344CB8AC3E}">
-        <p14:creationId xmlns:p14="http://schemas.microsoft.com/office/powerpoint/2010/main" val="2292523653"/>
+        <p14:creationId xmlns:p14="http://schemas.microsoft.com/office/powerpoint/2010/main" val="1096679713"/>
       </p:ext>
     </p:extLst>
   </p:cSld>
   <p:clrMapOvr>
     <a:masterClrMapping/>
   </p:clrMapOvr>
+  <p:timing>
+    <p:tnLst>
+      <p:par>
+        <p:cTn id="1" dur="indefinite" restart="never" nodeType="tmRoot">
+          <p:childTnLst>
+            <p:seq concurrent="1" nextAc="seek">
+              <p:cTn id="2" dur="indefinite" nodeType="mainSeq">
+                <p:childTnLst>
+                  <p:par>
+                    <p:cTn id="3" fill="hold">
+                      <p:stCondLst>
+                        <p:cond delay="indefinite"/>
+                      </p:stCondLst>
+                      <p:childTnLst>
+                        <p:par>
+                          <p:cTn id="4" fill="hold">
+                            <p:stCondLst>
+                              <p:cond delay="0"/>
+                            </p:stCondLst>
+                            <p:childTnLst>
+                              <p:par>
+                                <p:cTn id="5" presetID="10" presetClass="exit" presetSubtype="0" fill="hold" nodeType="clickEffect">
+                                  <p:stCondLst>
+                                    <p:cond delay="0"/>
+                                  </p:stCondLst>
+                                  <p:childTnLst>
+                                    <p:animEffect transition="out" filter="fade">
+                                      <p:cBhvr>
+                                        <p:cTn id="6" dur="500"/>
+                                        <p:tgtEl>
+                                          <p:spTgt spid="3"/>
+                                        </p:tgtEl>
+                                      </p:cBhvr>
+                                    </p:animEffect>
+                                    <p:set>
+                                      <p:cBhvr>
+                                        <p:cTn id="7" dur="1" fill="hold">
+                                          <p:stCondLst>
+                                            <p:cond delay="499"/>
+                                          </p:stCondLst>
+                                        </p:cTn>
+                                        <p:tgtEl>
+                                          <p:spTgt spid="3"/>
+                                        </p:tgtEl>
+                                        <p:attrNameLst>
+                                          <p:attrName>style.visibility</p:attrName>
+                                        </p:attrNameLst>
+                                      </p:cBhvr>
+                                      <p:to>
+                                        <p:strVal val="hidden"/>
+                                      </p:to>
+                                    </p:set>
+                                  </p:childTnLst>
+                                </p:cTn>
+                              </p:par>
+                            </p:childTnLst>
+                          </p:cTn>
+                        </p:par>
+                        <p:par>
+                          <p:cTn id="8" fill="hold">
+                            <p:stCondLst>
+                              <p:cond delay="500"/>
+                            </p:stCondLst>
+                            <p:childTnLst>
+                              <p:par>
+                                <p:cTn id="9" presetID="10" presetClass="entr" presetSubtype="0" fill="hold" nodeType="afterEffect">
+                                  <p:stCondLst>
+                                    <p:cond delay="0"/>
+                                  </p:stCondLst>
+                                  <p:childTnLst>
+                                    <p:set>
+                                      <p:cBhvr>
+                                        <p:cTn id="10" dur="1" fill="hold">
+                                          <p:stCondLst>
+                                            <p:cond delay="0"/>
+                                          </p:stCondLst>
+                                        </p:cTn>
+                                        <p:tgtEl>
+                                          <p:spTgt spid="5"/>
+                                        </p:tgtEl>
+                                        <p:attrNameLst>
+                                          <p:attrName>style.visibility</p:attrName>
+                                        </p:attrNameLst>
+                                      </p:cBhvr>
+                                      <p:to>
+                                        <p:strVal val="visible"/>
+                                      </p:to>
+                                    </p:set>
+                                    <p:animEffect transition="in" filter="fade">
+                                      <p:cBhvr>
+                                        <p:cTn id="11" dur="500"/>
+                                        <p:tgtEl>
+                                          <p:spTgt spid="5"/>
+                                        </p:tgtEl>
+                                      </p:cBhvr>
+                                    </p:animEffect>
+                                  </p:childTnLst>
+                                </p:cTn>
+                              </p:par>
+                            </p:childTnLst>
+                          </p:cTn>
+                        </p:par>
+                      </p:childTnLst>
+                    </p:cTn>
+                  </p:par>
+                  <p:par>
+                    <p:cTn id="12" fill="hold">
+                      <p:stCondLst>
+                        <p:cond delay="indefinite"/>
+                      </p:stCondLst>
+                      <p:childTnLst>
+                        <p:par>
+                          <p:cTn id="13" fill="hold">
+                            <p:stCondLst>
+                              <p:cond delay="0"/>
+                            </p:stCondLst>
+                            <p:childTnLst>
+                              <p:par>
+                                <p:cTn id="14" presetID="10" presetClass="exit" presetSubtype="0" fill="hold" nodeType="clickEffect">
+                                  <p:stCondLst>
+                                    <p:cond delay="0"/>
+                                  </p:stCondLst>
+                                  <p:childTnLst>
+                                    <p:animEffect transition="out" filter="fade">
+                                      <p:cBhvr>
+                                        <p:cTn id="15" dur="500"/>
+                                        <p:tgtEl>
+                                          <p:spTgt spid="5"/>
+                                        </p:tgtEl>
+                                      </p:cBhvr>
+                                    </p:animEffect>
+                                    <p:set>
+                                      <p:cBhvr>
+                                        <p:cTn id="16" dur="1" fill="hold">
+                                          <p:stCondLst>
+                                            <p:cond delay="499"/>
+                                          </p:stCondLst>
+                                        </p:cTn>
+                                        <p:tgtEl>
+                                          <p:spTgt spid="5"/>
+                                        </p:tgtEl>
+                                        <p:attrNameLst>
+                                          <p:attrName>style.visibility</p:attrName>
+                                        </p:attrNameLst>
+                                      </p:cBhvr>
+                                      <p:to>
+                                        <p:strVal val="hidden"/>
+                                      </p:to>
+                                    </p:set>
+                                  </p:childTnLst>
+                                </p:cTn>
+                              </p:par>
+                            </p:childTnLst>
+                          </p:cTn>
+                        </p:par>
+                        <p:par>
+                          <p:cTn id="17" fill="hold">
+                            <p:stCondLst>
+                              <p:cond delay="500"/>
+                            </p:stCondLst>
+                            <p:childTnLst>
+                              <p:par>
+                                <p:cTn id="18" presetID="10" presetClass="entr" presetSubtype="0" fill="hold" nodeType="afterEffect">
+                                  <p:stCondLst>
+                                    <p:cond delay="0"/>
+                                  </p:stCondLst>
+                                  <p:childTnLst>
+                                    <p:set>
+                                      <p:cBhvr>
+                                        <p:cTn id="19" dur="1" fill="hold">
+                                          <p:stCondLst>
+                                            <p:cond delay="0"/>
+                                          </p:stCondLst>
+                                        </p:cTn>
+                                        <p:tgtEl>
+                                          <p:spTgt spid="7"/>
+                                        </p:tgtEl>
+                                        <p:attrNameLst>
+                                          <p:attrName>style.visibility</p:attrName>
+                                        </p:attrNameLst>
+                                      </p:cBhvr>
+                                      <p:to>
+                                        <p:strVal val="visible"/>
+                                      </p:to>
+                                    </p:set>
+                                    <p:animEffect transition="in" filter="fade">
+                                      <p:cBhvr>
+                                        <p:cTn id="20" dur="500"/>
+                                        <p:tgtEl>
+                                          <p:spTgt spid="7"/>
+                                        </p:tgtEl>
+                                      </p:cBhvr>
+                                    </p:animEffect>
+                                  </p:childTnLst>
+                                </p:cTn>
+                              </p:par>
+                            </p:childTnLst>
+                          </p:cTn>
+                        </p:par>
+                      </p:childTnLst>
+                    </p:cTn>
+                  </p:par>
+                  <p:par>
+                    <p:cTn id="21" fill="hold">
+                      <p:stCondLst>
+                        <p:cond delay="indefinite"/>
+                      </p:stCondLst>
+                      <p:childTnLst>
+                        <p:par>
+                          <p:cTn id="22" fill="hold">
+                            <p:stCondLst>
+                              <p:cond delay="0"/>
+                            </p:stCondLst>
+                            <p:childTnLst>
+                              <p:par>
+                                <p:cTn id="23" presetID="10" presetClass="exit" presetSubtype="0" fill="hold" nodeType="clickEffect">
+                                  <p:stCondLst>
+                                    <p:cond delay="0"/>
+                                  </p:stCondLst>
+                                  <p:childTnLst>
+                                    <p:animEffect transition="out" filter="fade">
+                                      <p:cBhvr>
+                                        <p:cTn id="24" dur="500"/>
+                                        <p:tgtEl>
+                                          <p:spTgt spid="7"/>
+                                        </p:tgtEl>
+                                      </p:cBhvr>
+                                    </p:animEffect>
+                                    <p:set>
+                                      <p:cBhvr>
+                                        <p:cTn id="25" dur="1" fill="hold">
+                                          <p:stCondLst>
+                                            <p:cond delay="499"/>
+                                          </p:stCondLst>
+                                        </p:cTn>
+                                        <p:tgtEl>
+                                          <p:spTgt spid="7"/>
+                                        </p:tgtEl>
+                                        <p:attrNameLst>
+                                          <p:attrName>style.visibility</p:attrName>
+                                        </p:attrNameLst>
+                                      </p:cBhvr>
+                                      <p:to>
+                                        <p:strVal val="hidden"/>
+                                      </p:to>
+                                    </p:set>
+                                  </p:childTnLst>
+                                </p:cTn>
+                              </p:par>
+                            </p:childTnLst>
+                          </p:cTn>
+                        </p:par>
+                        <p:par>
+                          <p:cTn id="26" fill="hold">
+                            <p:stCondLst>
+                              <p:cond delay="500"/>
+                            </p:stCondLst>
+                            <p:childTnLst>
+                              <p:par>
+                                <p:cTn id="27" presetID="10" presetClass="entr" presetSubtype="0" fill="hold" nodeType="afterEffect">
+                                  <p:stCondLst>
+                                    <p:cond delay="0"/>
+                                  </p:stCondLst>
+                                  <p:childTnLst>
+                                    <p:set>
+                                      <p:cBhvr>
+                                        <p:cTn id="28" dur="1" fill="hold">
+                                          <p:stCondLst>
+                                            <p:cond delay="0"/>
+                                          </p:stCondLst>
+                                        </p:cTn>
+                                        <p:tgtEl>
+                                          <p:spTgt spid="8"/>
+                                        </p:tgtEl>
+                                        <p:attrNameLst>
+                                          <p:attrName>style.visibility</p:attrName>
+                                        </p:attrNameLst>
+                                      </p:cBhvr>
+                                      <p:to>
+                                        <p:strVal val="visible"/>
+                                      </p:to>
+                                    </p:set>
+                                    <p:animEffect transition="in" filter="fade">
+                                      <p:cBhvr>
+                                        <p:cTn id="29" dur="500"/>
+                                        <p:tgtEl>
+                                          <p:spTgt spid="8"/>
+                                        </p:tgtEl>
+                                      </p:cBhvr>
+                                    </p:animEffect>
+                                  </p:childTnLst>
+                                </p:cTn>
+                              </p:par>
+                            </p:childTnLst>
+                          </p:cTn>
+                        </p:par>
+                      </p:childTnLst>
+                    </p:cTn>
+                  </p:par>
+                  <p:par>
+                    <p:cTn id="30" fill="hold">
+                      <p:stCondLst>
+                        <p:cond delay="indefinite"/>
+                      </p:stCondLst>
+                      <p:childTnLst>
+                        <p:par>
+                          <p:cTn id="31" fill="hold">
+                            <p:stCondLst>
+                              <p:cond delay="0"/>
+                            </p:stCondLst>
+                            <p:childTnLst>
+                              <p:par>
+                                <p:cTn id="32" presetID="10" presetClass="exit" presetSubtype="0" fill="hold" nodeType="clickEffect">
+                                  <p:stCondLst>
+                                    <p:cond delay="0"/>
+                                  </p:stCondLst>
+                                  <p:childTnLst>
+                                    <p:animEffect transition="out" filter="fade">
+                                      <p:cBhvr>
+                                        <p:cTn id="33" dur="500"/>
+                                        <p:tgtEl>
+                                          <p:spTgt spid="8"/>
+                                        </p:tgtEl>
+                                      </p:cBhvr>
+                                    </p:animEffect>
+                                    <p:set>
+                                      <p:cBhvr>
+                                        <p:cTn id="34" dur="1" fill="hold">
+                                          <p:stCondLst>
+                                            <p:cond delay="499"/>
+                                          </p:stCondLst>
+                                        </p:cTn>
+                                        <p:tgtEl>
+                                          <p:spTgt spid="8"/>
+                                        </p:tgtEl>
+                                        <p:attrNameLst>
+                                          <p:attrName>style.visibility</p:attrName>
+                                        </p:attrNameLst>
+                                      </p:cBhvr>
+                                      <p:to>
+                                        <p:strVal val="hidden"/>
+                                      </p:to>
+                                    </p:set>
+                                  </p:childTnLst>
+                                </p:cTn>
+                              </p:par>
+                            </p:childTnLst>
+                          </p:cTn>
+                        </p:par>
+                        <p:par>
+                          <p:cTn id="35" fill="hold">
+                            <p:stCondLst>
+                              <p:cond delay="500"/>
+                            </p:stCondLst>
+                            <p:childTnLst>
+                              <p:par>
+                                <p:cTn id="36" presetID="10" presetClass="entr" presetSubtype="0" fill="hold" nodeType="afterEffect">
+                                  <p:stCondLst>
+                                    <p:cond delay="0"/>
+                                  </p:stCondLst>
+                                  <p:childTnLst>
+                                    <p:set>
+                                      <p:cBhvr>
+                                        <p:cTn id="37" dur="1" fill="hold">
+                                          <p:stCondLst>
+                                            <p:cond delay="0"/>
+                                          </p:stCondLst>
+                                        </p:cTn>
+                                        <p:tgtEl>
+                                          <p:spTgt spid="9"/>
+                                        </p:tgtEl>
+                                        <p:attrNameLst>
+                                          <p:attrName>style.visibility</p:attrName>
+                                        </p:attrNameLst>
+                                      </p:cBhvr>
+                                      <p:to>
+                                        <p:strVal val="visible"/>
+                                      </p:to>
+                                    </p:set>
+                                    <p:animEffect transition="in" filter="fade">
+                                      <p:cBhvr>
+                                        <p:cTn id="38" dur="500"/>
+                                        <p:tgtEl>
+                                          <p:spTgt spid="9"/>
+                                        </p:tgtEl>
+                                      </p:cBhvr>
+                                    </p:animEffect>
+                                  </p:childTnLst>
+                                </p:cTn>
+                              </p:par>
+                            </p:childTnLst>
+                          </p:cTn>
+                        </p:par>
+                      </p:childTnLst>
+                    </p:cTn>
+                  </p:par>
+                  <p:par>
+                    <p:cTn id="39" fill="hold">
+                      <p:stCondLst>
+                        <p:cond delay="indefinite"/>
+                      </p:stCondLst>
+                      <p:childTnLst>
+                        <p:par>
+                          <p:cTn id="40" fill="hold">
+                            <p:stCondLst>
+                              <p:cond delay="0"/>
+                            </p:stCondLst>
+                            <p:childTnLst>
+                              <p:par>
+                                <p:cTn id="41" presetID="10" presetClass="exit" presetSubtype="0" fill="hold" nodeType="clickEffect">
+                                  <p:stCondLst>
+                                    <p:cond delay="0"/>
+                                  </p:stCondLst>
+                                  <p:childTnLst>
+                                    <p:animEffect transition="out" filter="fade">
+                                      <p:cBhvr>
+                                        <p:cTn id="42" dur="500"/>
+                                        <p:tgtEl>
+                                          <p:spTgt spid="9"/>
+                                        </p:tgtEl>
+                                      </p:cBhvr>
+                                    </p:animEffect>
+                                    <p:set>
+                                      <p:cBhvr>
+                                        <p:cTn id="43" dur="1" fill="hold">
+                                          <p:stCondLst>
+                                            <p:cond delay="499"/>
+                                          </p:stCondLst>
+                                        </p:cTn>
+                                        <p:tgtEl>
+                                          <p:spTgt spid="9"/>
+                                        </p:tgtEl>
+                                        <p:attrNameLst>
+                                          <p:attrName>style.visibility</p:attrName>
+                                        </p:attrNameLst>
+                                      </p:cBhvr>
+                                      <p:to>
+                                        <p:strVal val="hidden"/>
+                                      </p:to>
+                                    </p:set>
+                                  </p:childTnLst>
+                                </p:cTn>
+                              </p:par>
+                            </p:childTnLst>
+                          </p:cTn>
+                        </p:par>
+                        <p:par>
+                          <p:cTn id="44" fill="hold">
+                            <p:stCondLst>
+                              <p:cond delay="500"/>
+                            </p:stCondLst>
+                            <p:childTnLst>
+                              <p:par>
+                                <p:cTn id="45" presetID="10" presetClass="entr" presetSubtype="0" fill="hold" nodeType="afterEffect">
+                                  <p:stCondLst>
+                                    <p:cond delay="0"/>
+                                  </p:stCondLst>
+                                  <p:childTnLst>
+                                    <p:set>
+                                      <p:cBhvr>
+                                        <p:cTn id="46" dur="1" fill="hold">
+                                          <p:stCondLst>
+                                            <p:cond delay="0"/>
+                                          </p:stCondLst>
+                                        </p:cTn>
+                                        <p:tgtEl>
+                                          <p:spTgt spid="10"/>
+                                        </p:tgtEl>
+                                        <p:attrNameLst>
+                                          <p:attrName>style.visibility</p:attrName>
+                                        </p:attrNameLst>
+                                      </p:cBhvr>
+                                      <p:to>
+                                        <p:strVal val="visible"/>
+                                      </p:to>
+                                    </p:set>
+                                    <p:animEffect transition="in" filter="fade">
+                                      <p:cBhvr>
+                                        <p:cTn id="47" dur="500"/>
+                                        <p:tgtEl>
+                                          <p:spTgt spid="10"/>
+                                        </p:tgtEl>
+                                      </p:cBhvr>
+                                    </p:animEffect>
+                                  </p:childTnLst>
+                                </p:cTn>
+                              </p:par>
+                            </p:childTnLst>
+                          </p:cTn>
+                        </p:par>
+                      </p:childTnLst>
+                    </p:cTn>
+                  </p:par>
+                  <p:par>
+                    <p:cTn id="48" fill="hold">
+                      <p:stCondLst>
+                        <p:cond delay="indefinite"/>
+                      </p:stCondLst>
+                      <p:childTnLst>
+                        <p:par>
+                          <p:cTn id="49" fill="hold">
+                            <p:stCondLst>
+                              <p:cond delay="0"/>
+                            </p:stCondLst>
+                            <p:childTnLst>
+                              <p:par>
+                                <p:cTn id="50" presetID="10" presetClass="exit" presetSubtype="0" fill="hold" nodeType="clickEffect">
+                                  <p:stCondLst>
+                                    <p:cond delay="0"/>
+                                  </p:stCondLst>
+                                  <p:childTnLst>
+                                    <p:animEffect transition="out" filter="fade">
+                                      <p:cBhvr>
+                                        <p:cTn id="51" dur="500"/>
+                                        <p:tgtEl>
+                                          <p:spTgt spid="10"/>
+                                        </p:tgtEl>
+                                      </p:cBhvr>
+                                    </p:animEffect>
+                                    <p:set>
+                                      <p:cBhvr>
+                                        <p:cTn id="52" dur="1" fill="hold">
+                                          <p:stCondLst>
+                                            <p:cond delay="499"/>
+                                          </p:stCondLst>
+                                        </p:cTn>
+                                        <p:tgtEl>
+                                          <p:spTgt spid="10"/>
+                                        </p:tgtEl>
+                                        <p:attrNameLst>
+                                          <p:attrName>style.visibility</p:attrName>
+                                        </p:attrNameLst>
+                                      </p:cBhvr>
+                                      <p:to>
+                                        <p:strVal val="hidden"/>
+                                      </p:to>
+                                    </p:set>
+                                  </p:childTnLst>
+                                </p:cTn>
+                              </p:par>
+                            </p:childTnLst>
+                          </p:cTn>
+                        </p:par>
+                        <p:par>
+                          <p:cTn id="53" fill="hold">
+                            <p:stCondLst>
+                              <p:cond delay="500"/>
+                            </p:stCondLst>
+                            <p:childTnLst>
+                              <p:par>
+                                <p:cTn id="54" presetID="10" presetClass="entr" presetSubtype="0" fill="hold" nodeType="afterEffect">
+                                  <p:stCondLst>
+                                    <p:cond delay="0"/>
+                                  </p:stCondLst>
+                                  <p:childTnLst>
+                                    <p:set>
+                                      <p:cBhvr>
+                                        <p:cTn id="55" dur="1" fill="hold">
+                                          <p:stCondLst>
+                                            <p:cond delay="0"/>
+                                          </p:stCondLst>
+                                        </p:cTn>
+                                        <p:tgtEl>
+                                          <p:spTgt spid="11"/>
+                                        </p:tgtEl>
+                                        <p:attrNameLst>
+                                          <p:attrName>style.visibility</p:attrName>
+                                        </p:attrNameLst>
+                                      </p:cBhvr>
+                                      <p:to>
+                                        <p:strVal val="visible"/>
+                                      </p:to>
+                                    </p:set>
+                                    <p:animEffect transition="in" filter="fade">
+                                      <p:cBhvr>
+                                        <p:cTn id="56" dur="500"/>
+                                        <p:tgtEl>
+                                          <p:spTgt spid="11"/>
+                                        </p:tgtEl>
+                                      </p:cBhvr>
+                                    </p:animEffect>
+                                  </p:childTnLst>
+                                </p:cTn>
+                              </p:par>
+                            </p:childTnLst>
+                          </p:cTn>
+                        </p:par>
+                      </p:childTnLst>
+                    </p:cTn>
+                  </p:par>
+                  <p:par>
+                    <p:cTn id="57" fill="hold">
+                      <p:stCondLst>
+                        <p:cond delay="indefinite"/>
+                      </p:stCondLst>
+                      <p:childTnLst>
+                        <p:par>
+                          <p:cTn id="58" fill="hold">
+                            <p:stCondLst>
+                              <p:cond delay="0"/>
+                            </p:stCondLst>
+                            <p:childTnLst>
+                              <p:par>
+                                <p:cTn id="59" presetID="10" presetClass="exit" presetSubtype="0" fill="hold" nodeType="clickEffect">
+                                  <p:stCondLst>
+                                    <p:cond delay="0"/>
+                                  </p:stCondLst>
+                                  <p:childTnLst>
+                                    <p:animEffect transition="out" filter="fade">
+                                      <p:cBhvr>
+                                        <p:cTn id="60" dur="500"/>
+                                        <p:tgtEl>
+                                          <p:spTgt spid="11"/>
+                                        </p:tgtEl>
+                                      </p:cBhvr>
+                                    </p:animEffect>
+                                    <p:set>
+                                      <p:cBhvr>
+                                        <p:cTn id="61" dur="1" fill="hold">
+                                          <p:stCondLst>
+                                            <p:cond delay="499"/>
+                                          </p:stCondLst>
+                                        </p:cTn>
+                                        <p:tgtEl>
+                                          <p:spTgt spid="11"/>
+                                        </p:tgtEl>
+                                        <p:attrNameLst>
+                                          <p:attrName>style.visibility</p:attrName>
+                                        </p:attrNameLst>
+                                      </p:cBhvr>
+                                      <p:to>
+                                        <p:strVal val="hidden"/>
+                                      </p:to>
+                                    </p:set>
+                                  </p:childTnLst>
+                                </p:cTn>
+                              </p:par>
+                            </p:childTnLst>
+                          </p:cTn>
+                        </p:par>
+                        <p:par>
+                          <p:cTn id="62" fill="hold">
+                            <p:stCondLst>
+                              <p:cond delay="500"/>
+                            </p:stCondLst>
+                            <p:childTnLst>
+                              <p:par>
+                                <p:cTn id="63" presetID="10" presetClass="entr" presetSubtype="0" fill="hold" nodeType="afterEffect">
+                                  <p:stCondLst>
+                                    <p:cond delay="0"/>
+                                  </p:stCondLst>
+                                  <p:childTnLst>
+                                    <p:set>
+                                      <p:cBhvr>
+                                        <p:cTn id="64" dur="1" fill="hold">
+                                          <p:stCondLst>
+                                            <p:cond delay="0"/>
+                                          </p:stCondLst>
+                                        </p:cTn>
+                                        <p:tgtEl>
+                                          <p:spTgt spid="12"/>
+                                        </p:tgtEl>
+                                        <p:attrNameLst>
+                                          <p:attrName>style.visibility</p:attrName>
+                                        </p:attrNameLst>
+                                      </p:cBhvr>
+                                      <p:to>
+                                        <p:strVal val="visible"/>
+                                      </p:to>
+                                    </p:set>
+                                    <p:animEffect transition="in" filter="fade">
+                                      <p:cBhvr>
+                                        <p:cTn id="65" dur="500"/>
+                                        <p:tgtEl>
+                                          <p:spTgt spid="12"/>
+                                        </p:tgtEl>
+                                      </p:cBhvr>
+                                    </p:animEffect>
+                                  </p:childTnLst>
+                                </p:cTn>
+                              </p:par>
+                            </p:childTnLst>
+                          </p:cTn>
+                        </p:par>
+                      </p:childTnLst>
+                    </p:cTn>
+                  </p:par>
+                  <p:par>
+                    <p:cTn id="66" fill="hold">
+                      <p:stCondLst>
+                        <p:cond delay="indefinite"/>
+                      </p:stCondLst>
+                      <p:childTnLst>
+                        <p:par>
+                          <p:cTn id="67" fill="hold">
+                            <p:stCondLst>
+                              <p:cond delay="0"/>
+                            </p:stCondLst>
+                            <p:childTnLst>
+                              <p:par>
+                                <p:cTn id="68" presetID="10" presetClass="exit" presetSubtype="0" fill="hold" nodeType="clickEffect">
+                                  <p:stCondLst>
+                                    <p:cond delay="0"/>
+                                  </p:stCondLst>
+                                  <p:childTnLst>
+                                    <p:animEffect transition="out" filter="fade">
+                                      <p:cBhvr>
+                                        <p:cTn id="69" dur="500"/>
+                                        <p:tgtEl>
+                                          <p:spTgt spid="12"/>
+                                        </p:tgtEl>
+                                      </p:cBhvr>
+                                    </p:animEffect>
+                                    <p:set>
+                                      <p:cBhvr>
+                                        <p:cTn id="70" dur="1" fill="hold">
+                                          <p:stCondLst>
+                                            <p:cond delay="499"/>
+                                          </p:stCondLst>
+                                        </p:cTn>
+                                        <p:tgtEl>
+                                          <p:spTgt spid="12"/>
+                                        </p:tgtEl>
+                                        <p:attrNameLst>
+                                          <p:attrName>style.visibility</p:attrName>
+                                        </p:attrNameLst>
+                                      </p:cBhvr>
+                                      <p:to>
+                                        <p:strVal val="hidden"/>
+                                      </p:to>
+                                    </p:set>
+                                  </p:childTnLst>
+                                </p:cTn>
+                              </p:par>
+                            </p:childTnLst>
+                          </p:cTn>
+                        </p:par>
+                        <p:par>
+                          <p:cTn id="71" fill="hold">
+                            <p:stCondLst>
+                              <p:cond delay="500"/>
+                            </p:stCondLst>
+                            <p:childTnLst>
+                              <p:par>
+                                <p:cTn id="72" presetID="10" presetClass="entr" presetSubtype="0" fill="hold" nodeType="afterEffect">
+                                  <p:stCondLst>
+                                    <p:cond delay="0"/>
+                                  </p:stCondLst>
+                                  <p:childTnLst>
+                                    <p:set>
+                                      <p:cBhvr>
+                                        <p:cTn id="73" dur="1" fill="hold">
+                                          <p:stCondLst>
+                                            <p:cond delay="0"/>
+                                          </p:stCondLst>
+                                        </p:cTn>
+                                        <p:tgtEl>
+                                          <p:spTgt spid="13"/>
+                                        </p:tgtEl>
+                                        <p:attrNameLst>
+                                          <p:attrName>style.visibility</p:attrName>
+                                        </p:attrNameLst>
+                                      </p:cBhvr>
+                                      <p:to>
+                                        <p:strVal val="visible"/>
+                                      </p:to>
+                                    </p:set>
+                                    <p:animEffect transition="in" filter="fade">
+                                      <p:cBhvr>
+                                        <p:cTn id="74" dur="500"/>
+                                        <p:tgtEl>
+                                          <p:spTgt spid="13"/>
+                                        </p:tgtEl>
+                                      </p:cBhvr>
+                                    </p:animEffect>
+                                  </p:childTnLst>
+                                </p:cTn>
+                              </p:par>
+                            </p:childTnLst>
+                          </p:cTn>
+                        </p:par>
+                      </p:childTnLst>
+                    </p:cTn>
+                  </p:par>
+                  <p:par>
+                    <p:cTn id="75" fill="hold">
+                      <p:stCondLst>
+                        <p:cond delay="indefinite"/>
+                      </p:stCondLst>
+                      <p:childTnLst>
+                        <p:par>
+                          <p:cTn id="76" fill="hold">
+                            <p:stCondLst>
+                              <p:cond delay="0"/>
+                            </p:stCondLst>
+                            <p:childTnLst>
+                              <p:par>
+                                <p:cTn id="77" presetID="10" presetClass="exit" presetSubtype="0" fill="hold" nodeType="clickEffect">
+                                  <p:stCondLst>
+                                    <p:cond delay="0"/>
+                                  </p:stCondLst>
+                                  <p:childTnLst>
+                                    <p:animEffect transition="out" filter="fade">
+                                      <p:cBhvr>
+                                        <p:cTn id="78" dur="500"/>
+                                        <p:tgtEl>
+                                          <p:spTgt spid="13"/>
+                                        </p:tgtEl>
+                                      </p:cBhvr>
+                                    </p:animEffect>
+                                    <p:set>
+                                      <p:cBhvr>
+                                        <p:cTn id="79" dur="1" fill="hold">
+                                          <p:stCondLst>
+                                            <p:cond delay="499"/>
+                                          </p:stCondLst>
+                                        </p:cTn>
+                                        <p:tgtEl>
+                                          <p:spTgt spid="13"/>
+                                        </p:tgtEl>
+                                        <p:attrNameLst>
+                                          <p:attrName>style.visibility</p:attrName>
+                                        </p:attrNameLst>
+                                      </p:cBhvr>
+                                      <p:to>
+                                        <p:strVal val="hidden"/>
+                                      </p:to>
+                                    </p:set>
+                                  </p:childTnLst>
+                                </p:cTn>
+                              </p:par>
+                            </p:childTnLst>
+                          </p:cTn>
+                        </p:par>
+                        <p:par>
+                          <p:cTn id="80" fill="hold">
+                            <p:stCondLst>
+                              <p:cond delay="500"/>
+                            </p:stCondLst>
+                            <p:childTnLst>
+                              <p:par>
+                                <p:cTn id="81" presetID="10" presetClass="entr" presetSubtype="0" fill="hold" nodeType="afterEffect">
+                                  <p:stCondLst>
+                                    <p:cond delay="0"/>
+                                  </p:stCondLst>
+                                  <p:childTnLst>
+                                    <p:set>
+                                      <p:cBhvr>
+                                        <p:cTn id="82" dur="1" fill="hold">
+                                          <p:stCondLst>
+                                            <p:cond delay="0"/>
+                                          </p:stCondLst>
+                                        </p:cTn>
+                                        <p:tgtEl>
+                                          <p:spTgt spid="14"/>
+                                        </p:tgtEl>
+                                        <p:attrNameLst>
+                                          <p:attrName>style.visibility</p:attrName>
+                                        </p:attrNameLst>
+                                      </p:cBhvr>
+                                      <p:to>
+                                        <p:strVal val="visible"/>
+                                      </p:to>
+                                    </p:set>
+                                    <p:animEffect transition="in" filter="fade">
+                                      <p:cBhvr>
+                                        <p:cTn id="83" dur="500"/>
+                                        <p:tgtEl>
+                                          <p:spTgt spid="14"/>
+                                        </p:tgtEl>
+                                      </p:cBhvr>
+                                    </p:animEffect>
+                                  </p:childTnLst>
+                                </p:cTn>
+                              </p:par>
+                            </p:childTnLst>
+                          </p:cTn>
+                        </p:par>
+                      </p:childTnLst>
+                    </p:cTn>
+                  </p:par>
+                  <p:par>
+                    <p:cTn id="84" fill="hold">
+                      <p:stCondLst>
+                        <p:cond delay="indefinite"/>
+                      </p:stCondLst>
+                      <p:childTnLst>
+                        <p:par>
+                          <p:cTn id="85" fill="hold">
+                            <p:stCondLst>
+                              <p:cond delay="0"/>
+                            </p:stCondLst>
+                            <p:childTnLst>
+                              <p:par>
+                                <p:cTn id="86" presetID="10" presetClass="exit" presetSubtype="0" fill="hold" nodeType="clickEffect">
+                                  <p:stCondLst>
+                                    <p:cond delay="0"/>
+                                  </p:stCondLst>
+                                  <p:childTnLst>
+                                    <p:animEffect transition="out" filter="fade">
+                                      <p:cBhvr>
+                                        <p:cTn id="87" dur="500"/>
+                                        <p:tgtEl>
+                                          <p:spTgt spid="14"/>
+                                        </p:tgtEl>
+                                      </p:cBhvr>
+                                    </p:animEffect>
+                                    <p:set>
+                                      <p:cBhvr>
+                                        <p:cTn id="88" dur="1" fill="hold">
+                                          <p:stCondLst>
+                                            <p:cond delay="499"/>
+                                          </p:stCondLst>
+                                        </p:cTn>
+                                        <p:tgtEl>
+                                          <p:spTgt spid="14"/>
+                                        </p:tgtEl>
+                                        <p:attrNameLst>
+                                          <p:attrName>style.visibility</p:attrName>
+                                        </p:attrNameLst>
+                                      </p:cBhvr>
+                                      <p:to>
+                                        <p:strVal val="hidden"/>
+                                      </p:to>
+                                    </p:set>
+                                  </p:childTnLst>
+                                </p:cTn>
+                              </p:par>
+                            </p:childTnLst>
+                          </p:cTn>
+                        </p:par>
+                        <p:par>
+                          <p:cTn id="89" fill="hold">
+                            <p:stCondLst>
+                              <p:cond delay="500"/>
+                            </p:stCondLst>
+                            <p:childTnLst>
+                              <p:par>
+                                <p:cTn id="90" presetID="10" presetClass="entr" presetSubtype="0" fill="hold" nodeType="afterEffect">
+                                  <p:stCondLst>
+                                    <p:cond delay="0"/>
+                                  </p:stCondLst>
+                                  <p:childTnLst>
+                                    <p:set>
+                                      <p:cBhvr>
+                                        <p:cTn id="91" dur="1" fill="hold">
+                                          <p:stCondLst>
+                                            <p:cond delay="0"/>
+                                          </p:stCondLst>
+                                        </p:cTn>
+                                        <p:tgtEl>
+                                          <p:spTgt spid="15"/>
+                                        </p:tgtEl>
+                                        <p:attrNameLst>
+                                          <p:attrName>style.visibility</p:attrName>
+                                        </p:attrNameLst>
+                                      </p:cBhvr>
+                                      <p:to>
+                                        <p:strVal val="visible"/>
+                                      </p:to>
+                                    </p:set>
+                                    <p:animEffect transition="in" filter="fade">
+                                      <p:cBhvr>
+                                        <p:cTn id="92" dur="500"/>
+                                        <p:tgtEl>
+                                          <p:spTgt spid="15"/>
+                                        </p:tgtEl>
+                                      </p:cBhvr>
+                                    </p:animEffect>
+                                  </p:childTnLst>
+                                </p:cTn>
+                              </p:par>
+                            </p:childTnLst>
+                          </p:cTn>
+                        </p:par>
+                      </p:childTnLst>
+                    </p:cTn>
+                  </p:par>
+                  <p:par>
+                    <p:cTn id="93" fill="hold">
+                      <p:stCondLst>
+                        <p:cond delay="indefinite"/>
+                      </p:stCondLst>
+                      <p:childTnLst>
+                        <p:par>
+                          <p:cTn id="94" fill="hold">
+                            <p:stCondLst>
+                              <p:cond delay="0"/>
+                            </p:stCondLst>
+                            <p:childTnLst>
+                              <p:par>
+                                <p:cTn id="95" presetID="10" presetClass="exit" presetSubtype="0" fill="hold" nodeType="clickEffect">
+                                  <p:stCondLst>
+                                    <p:cond delay="0"/>
+                                  </p:stCondLst>
+                                  <p:childTnLst>
+                                    <p:animEffect transition="out" filter="fade">
+                                      <p:cBhvr>
+                                        <p:cTn id="96" dur="500"/>
+                                        <p:tgtEl>
+                                          <p:spTgt spid="15"/>
+                                        </p:tgtEl>
+                                      </p:cBhvr>
+                                    </p:animEffect>
+                                    <p:set>
+                                      <p:cBhvr>
+                                        <p:cTn id="97" dur="1" fill="hold">
+                                          <p:stCondLst>
+                                            <p:cond delay="499"/>
+                                          </p:stCondLst>
+                                        </p:cTn>
+                                        <p:tgtEl>
+                                          <p:spTgt spid="15"/>
+                                        </p:tgtEl>
+                                        <p:attrNameLst>
+                                          <p:attrName>style.visibility</p:attrName>
+                                        </p:attrNameLst>
+                                      </p:cBhvr>
+                                      <p:to>
+                                        <p:strVal val="hidden"/>
+                                      </p:to>
+                                    </p:set>
+                                  </p:childTnLst>
+                                </p:cTn>
+                              </p:par>
+                            </p:childTnLst>
+                          </p:cTn>
+                        </p:par>
+                      </p:childTnLst>
+                    </p:cTn>
+                  </p:par>
+                </p:childTnLst>
+              </p:cTn>
+              <p:prevCondLst>
+                <p:cond evt="onPrev" delay="0">
+                  <p:tgtEl>
+                    <p:sldTgt/>
+                  </p:tgtEl>
+                </p:cond>
+              </p:prevCondLst>
+              <p:nextCondLst>
+                <p:cond evt="onNext" delay="0">
+                  <p:tgtEl>
+                    <p:sldTgt/>
+                  </p:tgtEl>
+                </p:cond>
+              </p:nextCondLst>
+            </p:seq>
+          </p:childTnLst>
+        </p:cTn>
+      </p:par>
+    </p:tnLst>
+  </p:timing>
 </p:sld>
 </file>
 
 <file path=ppt/slides/slide8.xml><?xml version="1.0" encoding="utf-8"?>
-<p:sld xmlns:a="http://schemas.openxmlformats.org/drawingml/2006/main" xmlns:r="http://schemas.openxmlformats.org/officeDocument/2006/relationships" xmlns:p="http://schemas.openxmlformats.org/presentationml/2006/main">
-  <p:cSld>
-    <p:spTree>
-      <p:nvGrpSpPr>
-        <p:cNvPr id="1" name=""/>
-        <p:cNvGrpSpPr/>
-        <p:nvPr/>
-      </p:nvGrpSpPr>
-      <p:grpSpPr>
-        <a:xfrm>
-          <a:off x="0" y="0"/>
-          <a:ext cx="0" cy="0"/>
-          <a:chOff x="0" y="0"/>
-          <a:chExt cx="0" cy="0"/>
-        </a:xfrm>
-      </p:grpSpPr>
-      <p:sp>
-        <p:nvSpPr>
-          <p:cNvPr id="2" name="Text Placeholder 1">
-            <a:extLst>
-              <a:ext uri="{FF2B5EF4-FFF2-40B4-BE49-F238E27FC236}">
-                <a16:creationId xmlns:a16="http://schemas.microsoft.com/office/drawing/2014/main" id="{70BA3967-673A-4F45-B3A8-D6C82F65BFC6}"/>
-              </a:ext>
-            </a:extLst>
-          </p:cNvPr>
-          <p:cNvSpPr>
-            <a:spLocks noGrp="1"/>
-          </p:cNvSpPr>
-          <p:nvPr>
-            <p:ph type="body" sz="quarter" idx="10"/>
-          </p:nvPr>
-        </p:nvSpPr>
-        <p:spPr/>
-        <p:txBody>
-          <a:bodyPr/>
-          <a:lstStyle/>
-          <a:p>
-            <a:endParaRPr lang="en-US"/>
-          </a:p>
-        </p:txBody>
-      </p:sp>
-      <p:sp>
-        <p:nvSpPr>
-          <p:cNvPr id="4" name="Rectangle 3">
-            <a:extLst>
-              <a:ext uri="{FF2B5EF4-FFF2-40B4-BE49-F238E27FC236}">
-                <a16:creationId xmlns:a16="http://schemas.microsoft.com/office/drawing/2014/main" id="{916CE252-CB60-4E72-B3A5-E9C309B9B204}"/>
-              </a:ext>
-            </a:extLst>
-          </p:cNvPr>
-          <p:cNvSpPr/>
-          <p:nvPr/>
-        </p:nvSpPr>
-        <p:spPr>
-          <a:xfrm>
-            <a:off x="152400" y="990600"/>
-            <a:ext cx="8839200" cy="5715000"/>
-          </a:xfrm>
-          <a:prstGeom prst="rect">
-            <a:avLst/>
-          </a:prstGeom>
-        </p:spPr>
-        <p:style>
-          <a:lnRef idx="2">
-            <a:schemeClr val="dk1"/>
-          </a:lnRef>
-          <a:fillRef idx="1">
-            <a:schemeClr val="lt1"/>
-          </a:fillRef>
-          <a:effectRef idx="0">
-            <a:schemeClr val="dk1"/>
-          </a:effectRef>
-          <a:fontRef idx="minor">
-            <a:schemeClr val="dk1"/>
-          </a:fontRef>
-        </p:style>
-        <p:txBody>
-          <a:bodyPr rtlCol="0" anchor="ctr"/>
-          <a:lstStyle/>
-          <a:p>
-            <a:pPr algn="ctr"/>
-            <a:endParaRPr lang="en-US"/>
-          </a:p>
-        </p:txBody>
-      </p:sp>
-    </p:spTree>
-    <p:extLst>
-      <p:ext uri="{BB962C8B-B14F-4D97-AF65-F5344CB8AC3E}">
-        <p14:creationId xmlns:p14="http://schemas.microsoft.com/office/powerpoint/2010/main" val="1950134034"/>
-      </p:ext>
-    </p:extLst>
-  </p:cSld>
-  <p:clrMapOvr>
-    <a:masterClrMapping/>
-  </p:clrMapOvr>
-</p:sld>
-</file>
-
-<file path=ppt/slides/slide9.xml><?xml version="1.0" encoding="utf-8"?>
 <p:sld xmlns:a="http://schemas.openxmlformats.org/drawingml/2006/main" xmlns:r="http://schemas.openxmlformats.org/officeDocument/2006/relationships" xmlns:p="http://schemas.openxmlformats.org/presentationml/2006/main">
   <p:cSld>
     <p:spTree>

--- a/PPT/M7 Front-End.pptx
+++ b/PPT/M7 Front-End.pptx
@@ -5,17 +5,18 @@
     <p:sldMasterId id="2147483648" r:id="rId1"/>
   </p:sldMasterIdLst>
   <p:notesMasterIdLst>
-    <p:notesMasterId r:id="rId10"/>
+    <p:notesMasterId r:id="rId11"/>
   </p:notesMasterIdLst>
   <p:sldIdLst>
     <p:sldId id="346" r:id="rId2"/>
-    <p:sldId id="353" r:id="rId3"/>
-    <p:sldId id="352" r:id="rId4"/>
-    <p:sldId id="358" r:id="rId5"/>
-    <p:sldId id="357" r:id="rId6"/>
-    <p:sldId id="356" r:id="rId7"/>
-    <p:sldId id="354" r:id="rId8"/>
-    <p:sldId id="262" r:id="rId9"/>
+    <p:sldId id="359" r:id="rId3"/>
+    <p:sldId id="353" r:id="rId4"/>
+    <p:sldId id="352" r:id="rId5"/>
+    <p:sldId id="358" r:id="rId6"/>
+    <p:sldId id="357" r:id="rId7"/>
+    <p:sldId id="356" r:id="rId8"/>
+    <p:sldId id="354" r:id="rId9"/>
+    <p:sldId id="262" r:id="rId10"/>
   </p:sldIdLst>
   <p:sldSz cx="9144000" cy="6858000" type="screen4x3"/>
   <p:notesSz cx="6858000" cy="9144000"/>
@@ -216,7 +217,7 @@
             <a:fld id="{B26E7FAE-22AD-49BB-86F5-047CE39CD866}" type="datetimeFigureOut">
               <a:rPr lang="id-ID" smtClean="0"/>
               <a:pPr/>
-              <a:t>16/05/2019</a:t>
+              <a:t>18/05/2019</a:t>
             </a:fld>
             <a:endParaRPr lang="id-ID"/>
           </a:p>
@@ -3709,7 +3710,7 @@
             </a:pPr>
             <a:r>
               <a:rPr lang="en-US" altLang="en-US" sz="4000" b="1" dirty="0"/>
-              <a:t>Front End</a:t>
+              <a:t>Front End (2)</a:t>
             </a:r>
             <a:endParaRPr lang="en-US" altLang="en-US" dirty="0"/>
           </a:p>
@@ -4025,7 +4026,7 @@
             </a:pPr>
             <a:r>
               <a:rPr lang="en-US" altLang="en-US" sz="6600" b="1" dirty="0"/>
-              <a:t>07</a:t>
+              <a:t>09</a:t>
             </a:r>
             <a:endParaRPr lang="en-US" altLang="en-US" sz="4000" dirty="0"/>
           </a:p>
@@ -4040,6 +4041,116 @@
 </file>
 
 <file path=ppt/slides/slide2.xml><?xml version="1.0" encoding="utf-8"?>
+<p:sld xmlns:a="http://schemas.openxmlformats.org/drawingml/2006/main" xmlns:r="http://schemas.openxmlformats.org/officeDocument/2006/relationships" xmlns:p="http://schemas.openxmlformats.org/presentationml/2006/main">
+  <p:cSld>
+    <p:spTree>
+      <p:nvGrpSpPr>
+        <p:cNvPr id="1" name=""/>
+        <p:cNvGrpSpPr/>
+        <p:nvPr/>
+      </p:nvGrpSpPr>
+      <p:grpSpPr>
+        <a:xfrm>
+          <a:off x="0" y="0"/>
+          <a:ext cx="0" cy="0"/>
+          <a:chOff x="0" y="0"/>
+          <a:chExt cx="0" cy="0"/>
+        </a:xfrm>
+      </p:grpSpPr>
+      <p:sp>
+        <p:nvSpPr>
+          <p:cNvPr id="2" name="Text Placeholder 1">
+            <a:extLst>
+              <a:ext uri="{FF2B5EF4-FFF2-40B4-BE49-F238E27FC236}">
+                <a16:creationId xmlns:a16="http://schemas.microsoft.com/office/drawing/2014/main" id="{6E45F290-B33F-4F87-908E-501CAF2C6099}"/>
+              </a:ext>
+            </a:extLst>
+          </p:cNvPr>
+          <p:cNvSpPr>
+            <a:spLocks noGrp="1"/>
+          </p:cNvSpPr>
+          <p:nvPr>
+            <p:ph type="body" sz="quarter" idx="10"/>
+          </p:nvPr>
+        </p:nvSpPr>
+        <p:spPr/>
+        <p:txBody>
+          <a:bodyPr/>
+          <a:lstStyle/>
+          <a:p>
+            <a:endParaRPr lang="en-US"/>
+          </a:p>
+        </p:txBody>
+      </p:sp>
+      <p:sp>
+        <p:nvSpPr>
+          <p:cNvPr id="3" name="Text Placeholder 2">
+            <a:extLst>
+              <a:ext uri="{FF2B5EF4-FFF2-40B4-BE49-F238E27FC236}">
+                <a16:creationId xmlns:a16="http://schemas.microsoft.com/office/drawing/2014/main" id="{7D8CCF47-C421-4F3A-AE2E-AEE94B43F0B7}"/>
+              </a:ext>
+            </a:extLst>
+          </p:cNvPr>
+          <p:cNvSpPr>
+            <a:spLocks noGrp="1"/>
+          </p:cNvSpPr>
+          <p:nvPr>
+            <p:ph type="body" sz="quarter" idx="11"/>
+          </p:nvPr>
+        </p:nvSpPr>
+        <p:spPr/>
+        <p:txBody>
+          <a:bodyPr/>
+          <a:lstStyle/>
+          <a:p>
+            <a:endParaRPr lang="en-US"/>
+          </a:p>
+        </p:txBody>
+      </p:sp>
+      <p:pic>
+        <p:nvPicPr>
+          <p:cNvPr id="4" name="Picture 3">
+            <a:extLst>
+              <a:ext uri="{FF2B5EF4-FFF2-40B4-BE49-F238E27FC236}">
+                <a16:creationId xmlns:a16="http://schemas.microsoft.com/office/drawing/2014/main" id="{F21BA8E5-1FC7-48C1-83FE-3E03FADB4E92}"/>
+              </a:ext>
+            </a:extLst>
+          </p:cNvPr>
+          <p:cNvPicPr>
+            <a:picLocks noChangeAspect="1"/>
+          </p:cNvPicPr>
+          <p:nvPr/>
+        </p:nvPicPr>
+        <p:blipFill>
+          <a:blip r:embed="rId2"/>
+          <a:stretch>
+            <a:fillRect/>
+          </a:stretch>
+        </p:blipFill>
+        <p:spPr>
+          <a:xfrm>
+            <a:off x="381000" y="1103763"/>
+            <a:ext cx="8382000" cy="5379492"/>
+          </a:xfrm>
+          <a:prstGeom prst="rect">
+            <a:avLst/>
+          </a:prstGeom>
+        </p:spPr>
+      </p:pic>
+    </p:spTree>
+    <p:extLst>
+      <p:ext uri="{BB962C8B-B14F-4D97-AF65-F5344CB8AC3E}">
+        <p14:creationId xmlns:p14="http://schemas.microsoft.com/office/powerpoint/2010/main" val="3195348953"/>
+      </p:ext>
+    </p:extLst>
+  </p:cSld>
+  <p:clrMapOvr>
+    <a:masterClrMapping/>
+  </p:clrMapOvr>
+</p:sld>
+</file>
+
+<file path=ppt/slides/slide3.xml><?xml version="1.0" encoding="utf-8"?>
 <p:sld xmlns:a="http://schemas.openxmlformats.org/drawingml/2006/main" xmlns:r="http://schemas.openxmlformats.org/officeDocument/2006/relationships" xmlns:p="http://schemas.openxmlformats.org/presentationml/2006/main">
   <p:cSld>
     <p:spTree>
@@ -4177,7 +4288,7 @@
 </p:sld>
 </file>
 
-<file path=ppt/slides/slide3.xml><?xml version="1.0" encoding="utf-8"?>
+<file path=ppt/slides/slide4.xml><?xml version="1.0" encoding="utf-8"?>
 <p:sld xmlns:a="http://schemas.openxmlformats.org/drawingml/2006/main" xmlns:r="http://schemas.openxmlformats.org/officeDocument/2006/relationships" xmlns:p="http://schemas.openxmlformats.org/presentationml/2006/main">
   <p:cSld>
     <p:spTree>
@@ -4315,7 +4426,7 @@
 </p:sld>
 </file>
 
-<file path=ppt/slides/slide4.xml><?xml version="1.0" encoding="utf-8"?>
+<file path=ppt/slides/slide5.xml><?xml version="1.0" encoding="utf-8"?>
 <p:sld xmlns:a="http://schemas.openxmlformats.org/drawingml/2006/main" xmlns:r="http://schemas.openxmlformats.org/officeDocument/2006/relationships" xmlns:p="http://schemas.openxmlformats.org/presentationml/2006/main">
   <p:cSld>
     <p:spTree>
@@ -4808,7 +4919,7 @@
 </p:sld>
 </file>
 
-<file path=ppt/slides/slide5.xml><?xml version="1.0" encoding="utf-8"?>
+<file path=ppt/slides/slide6.xml><?xml version="1.0" encoding="utf-8"?>
 <p:sld xmlns:a="http://schemas.openxmlformats.org/drawingml/2006/main" xmlns:r="http://schemas.openxmlformats.org/officeDocument/2006/relationships" xmlns:p="http://schemas.openxmlformats.org/presentationml/2006/main">
   <p:cSld>
     <p:spTree>
@@ -6069,7 +6180,7 @@
 </p:sld>
 </file>
 
-<file path=ppt/slides/slide6.xml><?xml version="1.0" encoding="utf-8"?>
+<file path=ppt/slides/slide7.xml><?xml version="1.0" encoding="utf-8"?>
 <p:sld xmlns:a="http://schemas.openxmlformats.org/drawingml/2006/main" xmlns:r="http://schemas.openxmlformats.org/officeDocument/2006/relationships" xmlns:p="http://schemas.openxmlformats.org/presentationml/2006/main">
   <p:cSld>
     <p:spTree>
@@ -6665,7 +6776,7 @@
 </p:sld>
 </file>
 
-<file path=ppt/slides/slide7.xml><?xml version="1.0" encoding="utf-8"?>
+<file path=ppt/slides/slide8.xml><?xml version="1.0" encoding="utf-8"?>
 <p:sld xmlns:a="http://schemas.openxmlformats.org/drawingml/2006/main" xmlns:r="http://schemas.openxmlformats.org/officeDocument/2006/relationships" xmlns:p="http://schemas.openxmlformats.org/presentationml/2006/main">
   <p:cSld>
     <p:spTree>
@@ -8164,7 +8275,7 @@
 </p:sld>
 </file>
 
-<file path=ppt/slides/slide8.xml><?xml version="1.0" encoding="utf-8"?>
+<file path=ppt/slides/slide9.xml><?xml version="1.0" encoding="utf-8"?>
 <p:sld xmlns:a="http://schemas.openxmlformats.org/drawingml/2006/main" xmlns:r="http://schemas.openxmlformats.org/officeDocument/2006/relationships" xmlns:p="http://schemas.openxmlformats.org/presentationml/2006/main">
   <p:cSld>
     <p:spTree>
